--- a/static-sites.pptx
+++ b/static-sites.pptx
@@ -5,7 +5,7 @@
     <p:sldMasterId id="2147483648" r:id="rId1"/>
   </p:sldMasterIdLst>
   <p:notesMasterIdLst>
-    <p:notesMasterId r:id="rId44"/>
+    <p:notesMasterId r:id="rId46"/>
   </p:notesMasterIdLst>
   <p:sldIdLst>
     <p:sldId id="256" r:id="rId2"/>
@@ -17,39 +17,41 @@
     <p:sldId id="259" r:id="rId8"/>
     <p:sldId id="265" r:id="rId9"/>
     <p:sldId id="262" r:id="rId10"/>
-    <p:sldId id="276" r:id="rId11"/>
-    <p:sldId id="260" r:id="rId12"/>
-    <p:sldId id="266" r:id="rId13"/>
-    <p:sldId id="267" r:id="rId14"/>
-    <p:sldId id="271" r:id="rId15"/>
-    <p:sldId id="268" r:id="rId16"/>
-    <p:sldId id="269" r:id="rId17"/>
-    <p:sldId id="270" r:id="rId18"/>
-    <p:sldId id="272" r:id="rId19"/>
-    <p:sldId id="273" r:id="rId20"/>
-    <p:sldId id="274" r:id="rId21"/>
-    <p:sldId id="275" r:id="rId22"/>
-    <p:sldId id="277" r:id="rId23"/>
-    <p:sldId id="278" r:id="rId24"/>
-    <p:sldId id="279" r:id="rId25"/>
-    <p:sldId id="280" r:id="rId26"/>
-    <p:sldId id="282" r:id="rId27"/>
-    <p:sldId id="281" r:id="rId28"/>
-    <p:sldId id="283" r:id="rId29"/>
-    <p:sldId id="284" r:id="rId30"/>
-    <p:sldId id="285" r:id="rId31"/>
-    <p:sldId id="286" r:id="rId32"/>
-    <p:sldId id="287" r:id="rId33"/>
-    <p:sldId id="288" r:id="rId34"/>
-    <p:sldId id="289" r:id="rId35"/>
-    <p:sldId id="290" r:id="rId36"/>
-    <p:sldId id="291" r:id="rId37"/>
-    <p:sldId id="292" r:id="rId38"/>
-    <p:sldId id="294" r:id="rId39"/>
-    <p:sldId id="293" r:id="rId40"/>
-    <p:sldId id="295" r:id="rId41"/>
-    <p:sldId id="296" r:id="rId42"/>
-    <p:sldId id="297" r:id="rId43"/>
+    <p:sldId id="298" r:id="rId11"/>
+    <p:sldId id="276" r:id="rId12"/>
+    <p:sldId id="260" r:id="rId13"/>
+    <p:sldId id="266" r:id="rId14"/>
+    <p:sldId id="267" r:id="rId15"/>
+    <p:sldId id="271" r:id="rId16"/>
+    <p:sldId id="268" r:id="rId17"/>
+    <p:sldId id="269" r:id="rId18"/>
+    <p:sldId id="270" r:id="rId19"/>
+    <p:sldId id="272" r:id="rId20"/>
+    <p:sldId id="273" r:id="rId21"/>
+    <p:sldId id="274" r:id="rId22"/>
+    <p:sldId id="275" r:id="rId23"/>
+    <p:sldId id="277" r:id="rId24"/>
+    <p:sldId id="278" r:id="rId25"/>
+    <p:sldId id="279" r:id="rId26"/>
+    <p:sldId id="280" r:id="rId27"/>
+    <p:sldId id="282" r:id="rId28"/>
+    <p:sldId id="281" r:id="rId29"/>
+    <p:sldId id="283" r:id="rId30"/>
+    <p:sldId id="284" r:id="rId31"/>
+    <p:sldId id="285" r:id="rId32"/>
+    <p:sldId id="286" r:id="rId33"/>
+    <p:sldId id="287" r:id="rId34"/>
+    <p:sldId id="288" r:id="rId35"/>
+    <p:sldId id="289" r:id="rId36"/>
+    <p:sldId id="290" r:id="rId37"/>
+    <p:sldId id="291" r:id="rId38"/>
+    <p:sldId id="292" r:id="rId39"/>
+    <p:sldId id="294" r:id="rId40"/>
+    <p:sldId id="293" r:id="rId41"/>
+    <p:sldId id="299" r:id="rId42"/>
+    <p:sldId id="295" r:id="rId43"/>
+    <p:sldId id="296" r:id="rId44"/>
+    <p:sldId id="297" r:id="rId45"/>
   </p:sldIdLst>
   <p:sldSz cx="9144000" cy="6858000" type="screen4x3"/>
   <p:notesSz cx="6858000" cy="9144000"/>
@@ -4120,6 +4122,167 @@
             <p:ph type="title"/>
           </p:nvPr>
         </p:nvSpPr>
+        <p:spPr/>
+        <p:txBody>
+          <a:bodyPr>
+            <a:normAutofit/>
+          </a:bodyPr>
+          <a:lstStyle/>
+          <a:p>
+            <a:r>
+              <a:rPr lang="en-US" dirty="0" smtClean="0"/>
+              <a:t>Dynamic Content</a:t>
+            </a:r>
+            <a:endParaRPr lang="en-US" dirty="0"/>
+          </a:p>
+        </p:txBody>
+      </p:sp>
+      <p:sp>
+        <p:nvSpPr>
+          <p:cNvPr id="4" name="Content Placeholder 3"/>
+          <p:cNvSpPr>
+            <a:spLocks noGrp="1"/>
+          </p:cNvSpPr>
+          <p:nvPr>
+            <p:ph idx="1"/>
+          </p:nvPr>
+        </p:nvSpPr>
+        <p:spPr/>
+        <p:txBody>
+          <a:bodyPr/>
+          <a:lstStyle/>
+          <a:p>
+            <a:r>
+              <a:rPr lang="en-US" dirty="0" smtClean="0"/>
+              <a:t>Comments (</a:t>
+            </a:r>
+            <a:r>
+              <a:rPr lang="en-US" dirty="0" err="1" smtClean="0"/>
+              <a:t>Disqus</a:t>
+            </a:r>
+            <a:r>
+              <a:rPr lang="en-US" dirty="0" smtClean="0"/>
+              <a:t>)</a:t>
+            </a:r>
+          </a:p>
+          <a:p>
+            <a:r>
+              <a:rPr lang="en-US" dirty="0" smtClean="0"/>
+              <a:t>Forms/Feedback (</a:t>
+            </a:r>
+            <a:r>
+              <a:rPr lang="en-US" dirty="0" err="1" smtClean="0"/>
+              <a:t>Wufoo</a:t>
+            </a:r>
+            <a:r>
+              <a:rPr lang="en-US" dirty="0" smtClean="0"/>
+              <a:t>, Google)</a:t>
+            </a:r>
+          </a:p>
+          <a:p>
+            <a:r>
+              <a:rPr lang="en-US" dirty="0" smtClean="0"/>
+              <a:t>Calendars (Google)</a:t>
+            </a:r>
+          </a:p>
+          <a:p>
+            <a:r>
+              <a:rPr lang="en-US" dirty="0" smtClean="0"/>
+              <a:t>Data (</a:t>
+            </a:r>
+            <a:r>
+              <a:rPr lang="en-US" dirty="0" err="1" smtClean="0"/>
+              <a:t>Parse.com</a:t>
+            </a:r>
+            <a:r>
+              <a:rPr lang="en-US" dirty="0" smtClean="0"/>
+              <a:t>, </a:t>
+            </a:r>
+            <a:r>
+              <a:rPr lang="en-US" dirty="0" smtClean="0">
+                <a:hlinkClick r:id="rId2"/>
+              </a:rPr>
+              <a:t>Telerik Backend Services</a:t>
+            </a:r>
+            <a:r>
+              <a:rPr lang="en-US" dirty="0" smtClean="0"/>
+              <a:t>)</a:t>
+            </a:r>
+          </a:p>
+          <a:p>
+            <a:endParaRPr lang="en-US" dirty="0"/>
+          </a:p>
+          <a:p>
+            <a:pPr marL="0" indent="0">
+              <a:buNone/>
+            </a:pPr>
+            <a:r>
+              <a:rPr lang="en-US" dirty="0">
+                <a:hlinkClick r:id="rId3"/>
+              </a:rPr>
+              <a:t>http://modernweb.com/2013/12/16/moving-to-static-and-keeping-your-toys</a:t>
+            </a:r>
+            <a:r>
+              <a:rPr lang="en-US" dirty="0" smtClean="0">
+                <a:hlinkClick r:id="rId3"/>
+              </a:rPr>
+              <a:t>/</a:t>
+            </a:r>
+            <a:r>
+              <a:rPr lang="en-US" dirty="0" smtClean="0"/>
+              <a:t> </a:t>
+            </a:r>
+            <a:endParaRPr lang="en-US" dirty="0"/>
+          </a:p>
+        </p:txBody>
+      </p:sp>
+    </p:spTree>
+    <p:extLst>
+      <p:ext uri="{BB962C8B-B14F-4D97-AF65-F5344CB8AC3E}">
+        <p14:creationId xmlns:p14="http://schemas.microsoft.com/office/powerpoint/2010/main" val="4034536265"/>
+      </p:ext>
+    </p:extLst>
+  </p:cSld>
+  <p:clrMapOvr>
+    <a:masterClrMapping/>
+  </p:clrMapOvr>
+  <p:timing>
+    <p:tnLst>
+      <p:par>
+        <p:cTn xmlns:p14="http://schemas.microsoft.com/office/powerpoint/2010/main" id="1" dur="indefinite" restart="never" nodeType="tmRoot"/>
+      </p:par>
+    </p:tnLst>
+  </p:timing>
+</p:sld>
+</file>
+
+<file path=ppt/slides/slide11.xml><?xml version="1.0" encoding="utf-8"?>
+<p:sld xmlns:a="http://schemas.openxmlformats.org/drawingml/2006/main" xmlns:r="http://schemas.openxmlformats.org/officeDocument/2006/relationships" xmlns:p="http://schemas.openxmlformats.org/presentationml/2006/main">
+  <p:cSld>
+    <p:spTree>
+      <p:nvGrpSpPr>
+        <p:cNvPr id="1" name=""/>
+        <p:cNvGrpSpPr/>
+        <p:nvPr/>
+      </p:nvGrpSpPr>
+      <p:grpSpPr>
+        <a:xfrm>
+          <a:off x="0" y="0"/>
+          <a:ext cx="0" cy="0"/>
+          <a:chOff x="0" y="0"/>
+          <a:chExt cx="0" cy="0"/>
+        </a:xfrm>
+      </p:grpSpPr>
+      <p:sp>
+        <p:nvSpPr>
+          <p:cNvPr id="2" name="Title 1"/>
+          <p:cNvSpPr>
+            <a:spLocks noGrp="1"/>
+          </p:cNvSpPr>
+          <p:nvPr>
+            <p:ph type="title"/>
+          </p:nvPr>
+        </p:nvSpPr>
         <p:spPr>
           <a:xfrm>
             <a:off x="457200" y="2579758"/>
@@ -4160,7 +4323,7 @@
 </p:sld>
 </file>
 
-<file path=ppt/slides/slide11.xml><?xml version="1.0" encoding="utf-8"?>
+<file path=ppt/slides/slide12.xml><?xml version="1.0" encoding="utf-8"?>
 <p:sld xmlns:a="http://schemas.openxmlformats.org/drawingml/2006/main" xmlns:r="http://schemas.openxmlformats.org/officeDocument/2006/relationships" xmlns:p="http://schemas.openxmlformats.org/presentationml/2006/main">
   <p:cSld>
     <p:spTree>
@@ -4810,7 +4973,7 @@
 </p:sld>
 </file>
 
-<file path=ppt/slides/slide12.xml><?xml version="1.0" encoding="utf-8"?>
+<file path=ppt/slides/slide13.xml><?xml version="1.0" encoding="utf-8"?>
 <p:sld xmlns:a="http://schemas.openxmlformats.org/drawingml/2006/main" xmlns:r="http://schemas.openxmlformats.org/officeDocument/2006/relationships" xmlns:p="http://schemas.openxmlformats.org/presentationml/2006/main">
   <p:cSld>
     <p:spTree>
@@ -4970,7 +5133,7 @@
 </p:sld>
 </file>
 
-<file path=ppt/slides/slide13.xml><?xml version="1.0" encoding="utf-8"?>
+<file path=ppt/slides/slide14.xml><?xml version="1.0" encoding="utf-8"?>
 <p:sld xmlns:a="http://schemas.openxmlformats.org/drawingml/2006/main" xmlns:r="http://schemas.openxmlformats.org/officeDocument/2006/relationships" xmlns:p="http://schemas.openxmlformats.org/presentationml/2006/main">
   <p:cSld>
     <p:spTree>
@@ -5035,7 +5198,7 @@
 </p:sld>
 </file>
 
-<file path=ppt/slides/slide14.xml><?xml version="1.0" encoding="utf-8"?>
+<file path=ppt/slides/slide15.xml><?xml version="1.0" encoding="utf-8"?>
 <p:sld xmlns:a="http://schemas.openxmlformats.org/drawingml/2006/main" xmlns:r="http://schemas.openxmlformats.org/officeDocument/2006/relationships" xmlns:p="http://schemas.openxmlformats.org/presentationml/2006/main">
   <p:cSld>
     <p:spTree>
@@ -5190,7 +5353,7 @@
 </p:sld>
 </file>
 
-<file path=ppt/slides/slide15.xml><?xml version="1.0" encoding="utf-8"?>
+<file path=ppt/slides/slide16.xml><?xml version="1.0" encoding="utf-8"?>
 <p:sld xmlns:a="http://schemas.openxmlformats.org/drawingml/2006/main" xmlns:r="http://schemas.openxmlformats.org/officeDocument/2006/relationships" xmlns:p="http://schemas.openxmlformats.org/presentationml/2006/main">
   <p:cSld>
     <p:spTree>
@@ -5523,7 +5686,7 @@
 </p:sld>
 </file>
 
-<file path=ppt/slides/slide16.xml><?xml version="1.0" encoding="utf-8"?>
+<file path=ppt/slides/slide17.xml><?xml version="1.0" encoding="utf-8"?>
 <p:sld xmlns:a="http://schemas.openxmlformats.org/drawingml/2006/main" xmlns:r="http://schemas.openxmlformats.org/officeDocument/2006/relationships" xmlns:p="http://schemas.openxmlformats.org/presentationml/2006/main">
   <p:cSld>
     <p:spTree>
@@ -5739,251 +5902,6 @@
 </p:sld>
 </file>
 
-<file path=ppt/slides/slide17.xml><?xml version="1.0" encoding="utf-8"?>
-<p:sld xmlns:a="http://schemas.openxmlformats.org/drawingml/2006/main" xmlns:r="http://schemas.openxmlformats.org/officeDocument/2006/relationships" xmlns:p="http://schemas.openxmlformats.org/presentationml/2006/main">
-  <p:cSld>
-    <p:spTree>
-      <p:nvGrpSpPr>
-        <p:cNvPr id="1" name=""/>
-        <p:cNvGrpSpPr/>
-        <p:nvPr/>
-      </p:nvGrpSpPr>
-      <p:grpSpPr>
-        <a:xfrm>
-          <a:off x="0" y="0"/>
-          <a:ext cx="0" cy="0"/>
-          <a:chOff x="0" y="0"/>
-          <a:chExt cx="0" cy="0"/>
-        </a:xfrm>
-      </p:grpSpPr>
-      <p:pic>
-        <p:nvPicPr>
-          <p:cNvPr id="8" name="Picture 7" descr="jekyll_logo.png"/>
-          <p:cNvPicPr>
-            <a:picLocks noChangeAspect="1"/>
-          </p:cNvPicPr>
-          <p:nvPr/>
-        </p:nvPicPr>
-        <p:blipFill>
-          <a:blip r:embed="rId2">
-            <a:extLst>
-              <a:ext uri="{28A0092B-C50C-407E-A947-70E740481C1C}">
-                <a14:useLocalDpi xmlns:a14="http://schemas.microsoft.com/office/drawing/2010/main" val="0"/>
-              </a:ext>
-            </a:extLst>
-          </a:blip>
-          <a:stretch>
-            <a:fillRect/>
-          </a:stretch>
-        </p:blipFill>
-        <p:spPr>
-          <a:xfrm>
-            <a:off x="425182" y="125230"/>
-            <a:ext cx="2892772" cy="1336019"/>
-          </a:xfrm>
-          <a:prstGeom prst="rect">
-            <a:avLst/>
-          </a:prstGeom>
-        </p:spPr>
-      </p:pic>
-      <p:sp>
-        <p:nvSpPr>
-          <p:cNvPr id="9" name="Title 1"/>
-          <p:cNvSpPr>
-            <a:spLocks noGrp="1"/>
-          </p:cNvSpPr>
-          <p:nvPr>
-            <p:ph type="title"/>
-          </p:nvPr>
-        </p:nvSpPr>
-        <p:spPr>
-          <a:xfrm>
-            <a:off x="3349972" y="274638"/>
-            <a:ext cx="5336827" cy="1143000"/>
-          </a:xfrm>
-        </p:spPr>
-        <p:txBody>
-          <a:bodyPr/>
-          <a:lstStyle/>
-          <a:p>
-            <a:r>
-              <a:rPr lang="en-US" dirty="0" smtClean="0"/>
-              <a:t>Getting Started</a:t>
-            </a:r>
-            <a:endParaRPr lang="en-US" dirty="0"/>
-          </a:p>
-        </p:txBody>
-      </p:sp>
-      <p:sp>
-        <p:nvSpPr>
-          <p:cNvPr id="5" name="Content Placeholder 2"/>
-          <p:cNvSpPr>
-            <a:spLocks noGrp="1"/>
-          </p:cNvSpPr>
-          <p:nvPr>
-            <p:ph idx="1"/>
-          </p:nvPr>
-        </p:nvSpPr>
-        <p:spPr>
-          <a:xfrm>
-            <a:off x="457200" y="1600200"/>
-            <a:ext cx="8229600" cy="4525963"/>
-          </a:xfrm>
-        </p:spPr>
-        <p:txBody>
-          <a:bodyPr/>
-          <a:lstStyle/>
-          <a:p>
-            <a:r>
-              <a:rPr lang="en-US" dirty="0" smtClean="0"/>
-              <a:t>Ruby-based</a:t>
-            </a:r>
-          </a:p>
-          <a:p>
-            <a:endParaRPr lang="en-US" dirty="0" smtClean="0"/>
-          </a:p>
-          <a:p>
-            <a:r>
-              <a:rPr lang="en-US" dirty="0" smtClean="0"/>
-              <a:t>No official Windows support</a:t>
-            </a:r>
-            <a:br>
-              <a:rPr lang="en-US" dirty="0" smtClean="0"/>
-            </a:br>
-            <a:r>
-              <a:rPr lang="en-US" dirty="0" smtClean="0"/>
-              <a:t>(but a workaround is available)</a:t>
-            </a:r>
-            <a:endParaRPr lang="en-US" dirty="0"/>
-          </a:p>
-        </p:txBody>
-      </p:sp>
-      <p:sp>
-        <p:nvSpPr>
-          <p:cNvPr id="3" name="TextBox 2"/>
-          <p:cNvSpPr txBox="1"/>
-          <p:nvPr/>
-        </p:nvSpPr>
-        <p:spPr>
-          <a:xfrm>
-            <a:off x="907196" y="2326464"/>
-            <a:ext cx="7779604" cy="369332"/>
-          </a:xfrm>
-          <a:prstGeom prst="rect">
-            <a:avLst/>
-          </a:prstGeom>
-          <a:solidFill>
-            <a:schemeClr val="tx1">
-              <a:lumMod val="75000"/>
-            </a:schemeClr>
-          </a:solidFill>
-        </p:spPr>
-        <p:txBody>
-          <a:bodyPr wrap="square" rtlCol="0">
-            <a:spAutoFit/>
-          </a:bodyPr>
-          <a:lstStyle/>
-          <a:p>
-            <a:r>
-              <a:rPr lang="en-US" dirty="0" smtClean="0">
-                <a:solidFill>
-                  <a:schemeClr val="bg1">
-                    <a:lumMod val="65000"/>
-                    <a:lumOff val="35000"/>
-                  </a:schemeClr>
-                </a:solidFill>
-                <a:latin typeface="Source Code Pro"/>
-              </a:rPr>
-              <a:t>&gt; </a:t>
-            </a:r>
-            <a:r>
-              <a:rPr lang="en-US" dirty="0" err="1" smtClean="0">
-                <a:solidFill>
-                  <a:schemeClr val="bg1">
-                    <a:lumMod val="65000"/>
-                    <a:lumOff val="35000"/>
-                  </a:schemeClr>
-                </a:solidFill>
-                <a:latin typeface="Source Code Pro"/>
-              </a:rPr>
-              <a:t>sudo</a:t>
-            </a:r>
-            <a:r>
-              <a:rPr lang="en-US" dirty="0" smtClean="0">
-                <a:solidFill>
-                  <a:schemeClr val="bg1">
-                    <a:lumMod val="65000"/>
-                    <a:lumOff val="35000"/>
-                  </a:schemeClr>
-                </a:solidFill>
-                <a:latin typeface="Source Code Pro"/>
-              </a:rPr>
-              <a:t> </a:t>
-            </a:r>
-            <a:r>
-              <a:rPr lang="en-US" dirty="0">
-                <a:solidFill>
-                  <a:schemeClr val="bg1">
-                    <a:lumMod val="65000"/>
-                    <a:lumOff val="35000"/>
-                  </a:schemeClr>
-                </a:solidFill>
-                <a:latin typeface="Source Code Pro"/>
-              </a:rPr>
-              <a:t>gem install </a:t>
-            </a:r>
-            <a:r>
-              <a:rPr lang="en-US" dirty="0" err="1">
-                <a:solidFill>
-                  <a:schemeClr val="bg1">
-                    <a:lumMod val="65000"/>
-                    <a:lumOff val="35000"/>
-                  </a:schemeClr>
-                </a:solidFill>
-                <a:latin typeface="Source Code Pro"/>
-              </a:rPr>
-              <a:t>jekyll</a:t>
-            </a:r>
-            <a:endParaRPr lang="en-US" dirty="0">
-              <a:solidFill>
-                <a:schemeClr val="bg1">
-                  <a:lumMod val="65000"/>
-                  <a:lumOff val="35000"/>
-                </a:schemeClr>
-              </a:solidFill>
-              <a:latin typeface="Source Code Pro"/>
-            </a:endParaRPr>
-          </a:p>
-        </p:txBody>
-      </p:sp>
-    </p:spTree>
-    <p:extLst>
-      <p:ext uri="{BB962C8B-B14F-4D97-AF65-F5344CB8AC3E}">
-        <p14:creationId xmlns:p14="http://schemas.microsoft.com/office/powerpoint/2010/main" val="2943258488"/>
-      </p:ext>
-    </p:extLst>
-  </p:cSld>
-  <p:clrMapOvr>
-    <a:masterClrMapping/>
-  </p:clrMapOvr>
-  <mc:AlternateContent xmlns:mc="http://schemas.openxmlformats.org/markup-compatibility/2006">
-    <mc:Choice xmlns:p14="http://schemas.microsoft.com/office/powerpoint/2010/main" Requires="p14">
-      <p:transition spd="slow" p14:dur="2000"/>
-    </mc:Choice>
-    <mc:Fallback>
-      <p:transition xmlns:p14="http://schemas.microsoft.com/office/powerpoint/2010/main" spd="slow"/>
-    </mc:Fallback>
-  </mc:AlternateContent>
-  <p:timing>
-    <p:tnLst>
-      <p:par>
-        <p:cTn xmlns:p14="http://schemas.microsoft.com/office/powerpoint/2010/main" id="1" dur="indefinite" restart="never" nodeType="tmRoot"/>
-      </p:par>
-    </p:tnLst>
-  </p:timing>
-</p:sld>
-</file>
-
 <file path=ppt/slides/slide18.xml><?xml version="1.0" encoding="utf-8"?>
 <p:sld xmlns:a="http://schemas.openxmlformats.org/drawingml/2006/main" xmlns:r="http://schemas.openxmlformats.org/officeDocument/2006/relationships" xmlns:p="http://schemas.openxmlformats.org/presentationml/2006/main">
   <p:cSld>
@@ -6081,7 +5999,7 @@
           <a:p>
             <a:r>
               <a:rPr lang="en-US" dirty="0" smtClean="0"/>
-              <a:t>Create a new project:</a:t>
+              <a:t>Ruby-based</a:t>
             </a:r>
           </a:p>
           <a:p>
@@ -6090,17 +6008,15 @@
           <a:p>
             <a:r>
               <a:rPr lang="en-US" dirty="0" smtClean="0"/>
-              <a:t>Start the server</a:t>
+              <a:t>No official Windows support</a:t>
             </a:r>
             <a:br>
               <a:rPr lang="en-US" dirty="0" smtClean="0"/>
             </a:br>
             <a:r>
               <a:rPr lang="en-US" dirty="0" smtClean="0"/>
-              <a:t>(automatically watches for changes):</a:t>
-            </a:r>
-          </a:p>
-          <a:p>
+              <a:t>(but a workaround is available)</a:t>
+            </a:r>
             <a:endParaRPr lang="en-US" dirty="0"/>
           </a:p>
         </p:txBody>
@@ -6113,8 +6029,8 @@
         </p:nvSpPr>
         <p:spPr>
           <a:xfrm>
-            <a:off x="907195" y="2326464"/>
-            <a:ext cx="7779603" cy="369332"/>
+            <a:off x="907196" y="2326464"/>
+            <a:ext cx="7779604" cy="369332"/>
           </a:xfrm>
           <a:prstGeom prst="rect">
             <a:avLst/>
@@ -6153,7 +6069,7 @@
                 </a:solidFill>
                 <a:latin typeface="Source Code Pro"/>
               </a:rPr>
-              <a:t>jekyll</a:t>
+              <a:t>sudo</a:t>
             </a:r>
             <a:r>
               <a:rPr lang="en-US" dirty="0" smtClean="0">
@@ -6177,104 +6093,7 @@
                 </a:solidFill>
                 <a:latin typeface="Source Code Pro"/>
               </a:rPr>
-              <a:t>new </a:t>
-            </a:r>
-            <a:r>
-              <a:rPr lang="en-US" dirty="0" err="1">
-                <a:solidFill>
-                  <a:schemeClr val="bg1">
-                    <a:lumMod val="65000"/>
-                    <a:lumOff val="35000"/>
-                  </a:schemeClr>
-                </a:solidFill>
-                <a:latin typeface="Source Code Pro"/>
-              </a:rPr>
-              <a:t>projectname</a:t>
-            </a:r>
-            <a:endParaRPr lang="en-US" dirty="0">
-              <a:solidFill>
-                <a:schemeClr val="bg1">
-                  <a:lumMod val="65000"/>
-                  <a:lumOff val="35000"/>
-                </a:schemeClr>
-              </a:solidFill>
-              <a:latin typeface="Source Code Pro"/>
-            </a:endParaRPr>
-          </a:p>
-        </p:txBody>
-      </p:sp>
-      <p:sp>
-        <p:nvSpPr>
-          <p:cNvPr id="6" name="TextBox 5"/>
-          <p:cNvSpPr txBox="1"/>
-          <p:nvPr/>
-        </p:nvSpPr>
-        <p:spPr>
-          <a:xfrm>
-            <a:off x="907196" y="4042972"/>
-            <a:ext cx="7779604" cy="646331"/>
-          </a:xfrm>
-          <a:prstGeom prst="rect">
-            <a:avLst/>
-          </a:prstGeom>
-          <a:solidFill>
-            <a:schemeClr val="tx1">
-              <a:lumMod val="75000"/>
-            </a:schemeClr>
-          </a:solidFill>
-        </p:spPr>
-        <p:txBody>
-          <a:bodyPr wrap="square" rtlCol="0">
-            <a:spAutoFit/>
-          </a:bodyPr>
-          <a:lstStyle/>
-          <a:p>
-            <a:r>
-              <a:rPr lang="en-US" dirty="0" smtClean="0">
-                <a:solidFill>
-                  <a:schemeClr val="bg1">
-                    <a:lumMod val="65000"/>
-                    <a:lumOff val="35000"/>
-                  </a:schemeClr>
-                </a:solidFill>
-                <a:latin typeface="Source Code Pro"/>
-              </a:rPr>
-              <a:t>&gt; cd </a:t>
-            </a:r>
-            <a:r>
-              <a:rPr lang="en-US" dirty="0" err="1" smtClean="0">
-                <a:solidFill>
-                  <a:schemeClr val="bg1">
-                    <a:lumMod val="65000"/>
-                    <a:lumOff val="35000"/>
-                  </a:schemeClr>
-                </a:solidFill>
-                <a:latin typeface="Source Code Pro"/>
-              </a:rPr>
-              <a:t>projectname</a:t>
-            </a:r>
-            <a:endParaRPr lang="en-US" dirty="0" smtClean="0">
-              <a:solidFill>
-                <a:schemeClr val="bg1">
-                  <a:lumMod val="65000"/>
-                  <a:lumOff val="35000"/>
-                </a:schemeClr>
-              </a:solidFill>
-              <a:latin typeface="Source Code Pro"/>
-            </a:endParaRPr>
-          </a:p>
-          <a:p>
-            <a:r>
-              <a:rPr lang="en-US" dirty="0">
-                <a:solidFill>
-                  <a:schemeClr val="bg1">
-                    <a:lumMod val="65000"/>
-                    <a:lumOff val="35000"/>
-                  </a:schemeClr>
-                </a:solidFill>
-                <a:latin typeface="Source Code Pro"/>
-              </a:rPr>
-              <a:t>&gt; </a:t>
+              <a:t>gem install </a:t>
             </a:r>
             <a:r>
               <a:rPr lang="en-US" dirty="0" err="1">
@@ -6288,30 +6107,6 @@
               </a:rPr>
               <a:t>jekyll</a:t>
             </a:r>
-            <a:r>
-              <a:rPr lang="en-US" dirty="0">
-                <a:solidFill>
-                  <a:schemeClr val="bg1">
-                    <a:lumMod val="65000"/>
-                    <a:lumOff val="35000"/>
-                  </a:schemeClr>
-                </a:solidFill>
-                <a:latin typeface="Source Code Pro"/>
-              </a:rPr>
-              <a:t> </a:t>
-            </a:r>
-            <a:r>
-              <a:rPr lang="en-US" dirty="0" smtClean="0">
-                <a:solidFill>
-                  <a:schemeClr val="bg1">
-                    <a:lumMod val="65000"/>
-                    <a:lumOff val="35000"/>
-                  </a:schemeClr>
-                </a:solidFill>
-                <a:latin typeface="Source Code Pro"/>
-              </a:rPr>
-              <a:t>serve</a:t>
-            </a:r>
             <a:endParaRPr lang="en-US" dirty="0">
               <a:solidFill>
                 <a:schemeClr val="bg1">
@@ -6327,7 +6122,7 @@
     </p:spTree>
     <p:extLst>
       <p:ext uri="{BB962C8B-B14F-4D97-AF65-F5344CB8AC3E}">
-        <p14:creationId xmlns:p14="http://schemas.microsoft.com/office/powerpoint/2010/main" val="1687055969"/>
+        <p14:creationId xmlns:p14="http://schemas.microsoft.com/office/powerpoint/2010/main" val="2943258488"/>
       </p:ext>
     </p:extLst>
   </p:cSld>
@@ -6420,12 +6215,8 @@
           <a:lstStyle/>
           <a:p>
             <a:r>
-              <a:rPr lang="en-US" dirty="0" err="1" smtClean="0"/>
-              <a:t>Templating</a:t>
-            </a:r>
-            <a:r>
               <a:rPr lang="en-US" dirty="0" smtClean="0"/>
-              <a:t> &amp; Content</a:t>
+              <a:t>Getting Started</a:t>
             </a:r>
             <a:endParaRPr lang="en-US" dirty="0"/>
           </a:p>
@@ -6453,47 +6244,253 @@
           <a:p>
             <a:r>
               <a:rPr lang="en-US" dirty="0" smtClean="0"/>
-              <a:t>Liquid </a:t>
-            </a:r>
-            <a:r>
-              <a:rPr lang="en-US" dirty="0"/>
-              <a:t>template engine: </a:t>
+              <a:t>Create a new project:</a:t>
+            </a:r>
+          </a:p>
+          <a:p>
+            <a:endParaRPr lang="en-US" dirty="0" smtClean="0"/>
+          </a:p>
+          <a:p>
+            <a:r>
+              <a:rPr lang="en-US" dirty="0" smtClean="0"/>
+              <a:t>Start the server</a:t>
+            </a:r>
+            <a:br>
+              <a:rPr lang="en-US" dirty="0" smtClean="0"/>
+            </a:br>
+            <a:r>
+              <a:rPr lang="en-US" dirty="0" smtClean="0"/>
+              <a:t>(automatically watches for changes):</a:t>
+            </a:r>
+          </a:p>
+          <a:p>
+            <a:endParaRPr lang="en-US" dirty="0"/>
+          </a:p>
+        </p:txBody>
+      </p:sp>
+      <p:sp>
+        <p:nvSpPr>
+          <p:cNvPr id="3" name="TextBox 2"/>
+          <p:cNvSpPr txBox="1"/>
+          <p:nvPr/>
+        </p:nvSpPr>
+        <p:spPr>
+          <a:xfrm>
+            <a:off x="907195" y="2326464"/>
+            <a:ext cx="7779603" cy="369332"/>
+          </a:xfrm>
+          <a:prstGeom prst="rect">
+            <a:avLst/>
+          </a:prstGeom>
+          <a:solidFill>
+            <a:schemeClr val="tx1">
+              <a:lumMod val="75000"/>
+            </a:schemeClr>
+          </a:solidFill>
+        </p:spPr>
+        <p:txBody>
+          <a:bodyPr wrap="square" rtlCol="0">
+            <a:spAutoFit/>
+          </a:bodyPr>
+          <a:lstStyle/>
+          <a:p>
+            <a:r>
+              <a:rPr lang="en-US" dirty="0" smtClean="0">
+                <a:solidFill>
+                  <a:schemeClr val="bg1">
+                    <a:lumMod val="65000"/>
+                    <a:lumOff val="35000"/>
+                  </a:schemeClr>
+                </a:solidFill>
+                <a:latin typeface="Source Code Pro"/>
+              </a:rPr>
+              <a:t>&gt; </a:t>
+            </a:r>
+            <a:r>
+              <a:rPr lang="en-US" dirty="0" err="1" smtClean="0">
+                <a:solidFill>
+                  <a:schemeClr val="bg1">
+                    <a:lumMod val="65000"/>
+                    <a:lumOff val="35000"/>
+                  </a:schemeClr>
+                </a:solidFill>
+                <a:latin typeface="Source Code Pro"/>
+              </a:rPr>
+              <a:t>jekyll</a:t>
+            </a:r>
+            <a:r>
+              <a:rPr lang="en-US" dirty="0" smtClean="0">
+                <a:solidFill>
+                  <a:schemeClr val="bg1">
+                    <a:lumMod val="65000"/>
+                    <a:lumOff val="35000"/>
+                  </a:schemeClr>
+                </a:solidFill>
+                <a:latin typeface="Source Code Pro"/>
+              </a:rPr>
+              <a:t> </a:t>
             </a:r>
             <a:r>
               <a:rPr lang="en-US" dirty="0">
-                <a:hlinkClick r:id="rId3"/>
+                <a:solidFill>
+                  <a:schemeClr val="bg1">
+                    <a:lumMod val="65000"/>
+                    <a:lumOff val="35000"/>
+                  </a:schemeClr>
+                </a:solidFill>
+                <a:latin typeface="Source Code Pro"/>
               </a:rPr>
-              <a:t>https://github.com/Shopify/liquid/</a:t>
-            </a:r>
+              <a:t>new </a:t>
+            </a:r>
+            <a:r>
+              <a:rPr lang="en-US" dirty="0" err="1">
+                <a:solidFill>
+                  <a:schemeClr val="bg1">
+                    <a:lumMod val="65000"/>
+                    <a:lumOff val="35000"/>
+                  </a:schemeClr>
+                </a:solidFill>
+                <a:latin typeface="Source Code Pro"/>
+              </a:rPr>
+              <a:t>projectname</a:t>
+            </a:r>
+            <a:endParaRPr lang="en-US" dirty="0">
+              <a:solidFill>
+                <a:schemeClr val="bg1">
+                  <a:lumMod val="65000"/>
+                  <a:lumOff val="35000"/>
+                </a:schemeClr>
+              </a:solidFill>
+              <a:latin typeface="Source Code Pro"/>
+            </a:endParaRPr>
+          </a:p>
+        </p:txBody>
+      </p:sp>
+      <p:sp>
+        <p:nvSpPr>
+          <p:cNvPr id="6" name="TextBox 5"/>
+          <p:cNvSpPr txBox="1"/>
+          <p:nvPr/>
+        </p:nvSpPr>
+        <p:spPr>
+          <a:xfrm>
+            <a:off x="907196" y="4042972"/>
+            <a:ext cx="7779604" cy="646331"/>
+          </a:xfrm>
+          <a:prstGeom prst="rect">
+            <a:avLst/>
+          </a:prstGeom>
+          <a:solidFill>
+            <a:schemeClr val="tx1">
+              <a:lumMod val="75000"/>
+            </a:schemeClr>
+          </a:solidFill>
+        </p:spPr>
+        <p:txBody>
+          <a:bodyPr wrap="square" rtlCol="0">
+            <a:spAutoFit/>
+          </a:bodyPr>
+          <a:lstStyle/>
+          <a:p>
             <a:r>
               <a:rPr lang="en-US" dirty="0" smtClean="0">
-                <a:hlinkClick r:id="rId3"/>
+                <a:solidFill>
+                  <a:schemeClr val="bg1">
+                    <a:lumMod val="65000"/>
+                    <a:lumOff val="35000"/>
+                  </a:schemeClr>
+                </a:solidFill>
+                <a:latin typeface="Source Code Pro"/>
               </a:rPr>
-              <a:t>wiki</a:t>
-            </a:r>
-            <a:endParaRPr lang="en-US" dirty="0"/>
-          </a:p>
-          <a:p>
-            <a:r>
-              <a:rPr lang="en-US" dirty="0" smtClean="0"/>
-              <a:t>Markdown (with YAML front-matter)</a:t>
-            </a:r>
-          </a:p>
-          <a:p>
-            <a:r>
-              <a:rPr lang="en-US" dirty="0" smtClean="0"/>
-              <a:t>Other options are available as plugins</a:t>
-            </a:r>
-          </a:p>
-          <a:p>
-            <a:endParaRPr lang="en-US" dirty="0"/>
+              <a:t>&gt; cd </a:t>
+            </a:r>
+            <a:r>
+              <a:rPr lang="en-US" dirty="0" err="1" smtClean="0">
+                <a:solidFill>
+                  <a:schemeClr val="bg1">
+                    <a:lumMod val="65000"/>
+                    <a:lumOff val="35000"/>
+                  </a:schemeClr>
+                </a:solidFill>
+                <a:latin typeface="Source Code Pro"/>
+              </a:rPr>
+              <a:t>projectname</a:t>
+            </a:r>
+            <a:endParaRPr lang="en-US" dirty="0" smtClean="0">
+              <a:solidFill>
+                <a:schemeClr val="bg1">
+                  <a:lumMod val="65000"/>
+                  <a:lumOff val="35000"/>
+                </a:schemeClr>
+              </a:solidFill>
+              <a:latin typeface="Source Code Pro"/>
+            </a:endParaRPr>
+          </a:p>
+          <a:p>
+            <a:r>
+              <a:rPr lang="en-US" dirty="0">
+                <a:solidFill>
+                  <a:schemeClr val="bg1">
+                    <a:lumMod val="65000"/>
+                    <a:lumOff val="35000"/>
+                  </a:schemeClr>
+                </a:solidFill>
+                <a:latin typeface="Source Code Pro"/>
+              </a:rPr>
+              <a:t>&gt; </a:t>
+            </a:r>
+            <a:r>
+              <a:rPr lang="en-US" dirty="0" err="1">
+                <a:solidFill>
+                  <a:schemeClr val="bg1">
+                    <a:lumMod val="65000"/>
+                    <a:lumOff val="35000"/>
+                  </a:schemeClr>
+                </a:solidFill>
+                <a:latin typeface="Source Code Pro"/>
+              </a:rPr>
+              <a:t>jekyll</a:t>
+            </a:r>
+            <a:r>
+              <a:rPr lang="en-US" dirty="0">
+                <a:solidFill>
+                  <a:schemeClr val="bg1">
+                    <a:lumMod val="65000"/>
+                    <a:lumOff val="35000"/>
+                  </a:schemeClr>
+                </a:solidFill>
+                <a:latin typeface="Source Code Pro"/>
+              </a:rPr>
+              <a:t> </a:t>
+            </a:r>
+            <a:r>
+              <a:rPr lang="en-US" dirty="0" smtClean="0">
+                <a:solidFill>
+                  <a:schemeClr val="bg1">
+                    <a:lumMod val="65000"/>
+                    <a:lumOff val="35000"/>
+                  </a:schemeClr>
+                </a:solidFill>
+                <a:latin typeface="Source Code Pro"/>
+              </a:rPr>
+              <a:t>serve</a:t>
+            </a:r>
+            <a:endParaRPr lang="en-US" dirty="0">
+              <a:solidFill>
+                <a:schemeClr val="bg1">
+                  <a:lumMod val="65000"/>
+                  <a:lumOff val="35000"/>
+                </a:schemeClr>
+              </a:solidFill>
+              <a:latin typeface="Source Code Pro"/>
+            </a:endParaRPr>
           </a:p>
         </p:txBody>
       </p:sp>
     </p:spTree>
     <p:extLst>
       <p:ext uri="{BB962C8B-B14F-4D97-AF65-F5344CB8AC3E}">
-        <p14:creationId xmlns:p14="http://schemas.microsoft.com/office/powerpoint/2010/main" val="662160005"/>
+        <p14:creationId xmlns:p14="http://schemas.microsoft.com/office/powerpoint/2010/main" val="1687055969"/>
       </p:ext>
     </p:extLst>
   </p:cSld>
@@ -6707,6 +6704,172 @@
           <a:lstStyle/>
           <a:p>
             <a:r>
+              <a:rPr lang="en-US" dirty="0" err="1" smtClean="0"/>
+              <a:t>Templating</a:t>
+            </a:r>
+            <a:r>
+              <a:rPr lang="en-US" dirty="0" smtClean="0"/>
+              <a:t> &amp; Content</a:t>
+            </a:r>
+            <a:endParaRPr lang="en-US" dirty="0"/>
+          </a:p>
+        </p:txBody>
+      </p:sp>
+      <p:sp>
+        <p:nvSpPr>
+          <p:cNvPr id="5" name="Content Placeholder 2"/>
+          <p:cNvSpPr>
+            <a:spLocks noGrp="1"/>
+          </p:cNvSpPr>
+          <p:nvPr>
+            <p:ph idx="1"/>
+          </p:nvPr>
+        </p:nvSpPr>
+        <p:spPr>
+          <a:xfrm>
+            <a:off x="457200" y="1600200"/>
+            <a:ext cx="8229600" cy="4525963"/>
+          </a:xfrm>
+        </p:spPr>
+        <p:txBody>
+          <a:bodyPr/>
+          <a:lstStyle/>
+          <a:p>
+            <a:r>
+              <a:rPr lang="en-US" dirty="0" smtClean="0"/>
+              <a:t>Liquid </a:t>
+            </a:r>
+            <a:r>
+              <a:rPr lang="en-US" dirty="0"/>
+              <a:t>template engine: </a:t>
+            </a:r>
+            <a:r>
+              <a:rPr lang="en-US" dirty="0">
+                <a:hlinkClick r:id="rId3"/>
+              </a:rPr>
+              <a:t>https://github.com/Shopify/liquid/</a:t>
+            </a:r>
+            <a:r>
+              <a:rPr lang="en-US" dirty="0" smtClean="0">
+                <a:hlinkClick r:id="rId3"/>
+              </a:rPr>
+              <a:t>wiki</a:t>
+            </a:r>
+            <a:endParaRPr lang="en-US" dirty="0"/>
+          </a:p>
+          <a:p>
+            <a:r>
+              <a:rPr lang="en-US" dirty="0" smtClean="0"/>
+              <a:t>Markdown (with YAML front-matter)</a:t>
+            </a:r>
+          </a:p>
+          <a:p>
+            <a:r>
+              <a:rPr lang="en-US" dirty="0" smtClean="0"/>
+              <a:t>Other options are available as plugins</a:t>
+            </a:r>
+          </a:p>
+          <a:p>
+            <a:endParaRPr lang="en-US" dirty="0"/>
+          </a:p>
+        </p:txBody>
+      </p:sp>
+    </p:spTree>
+    <p:extLst>
+      <p:ext uri="{BB962C8B-B14F-4D97-AF65-F5344CB8AC3E}">
+        <p14:creationId xmlns:p14="http://schemas.microsoft.com/office/powerpoint/2010/main" val="662160005"/>
+      </p:ext>
+    </p:extLst>
+  </p:cSld>
+  <p:clrMapOvr>
+    <a:masterClrMapping/>
+  </p:clrMapOvr>
+  <mc:AlternateContent xmlns:mc="http://schemas.openxmlformats.org/markup-compatibility/2006">
+    <mc:Choice xmlns:p14="http://schemas.microsoft.com/office/powerpoint/2010/main" Requires="p14">
+      <p:transition spd="slow" p14:dur="2000"/>
+    </mc:Choice>
+    <mc:Fallback>
+      <p:transition xmlns:p14="http://schemas.microsoft.com/office/powerpoint/2010/main" spd="slow"/>
+    </mc:Fallback>
+  </mc:AlternateContent>
+  <p:timing>
+    <p:tnLst>
+      <p:par>
+        <p:cTn xmlns:p14="http://schemas.microsoft.com/office/powerpoint/2010/main" id="1" dur="indefinite" restart="never" nodeType="tmRoot"/>
+      </p:par>
+    </p:tnLst>
+  </p:timing>
+</p:sld>
+</file>
+
+<file path=ppt/slides/slide21.xml><?xml version="1.0" encoding="utf-8"?>
+<p:sld xmlns:a="http://schemas.openxmlformats.org/drawingml/2006/main" xmlns:r="http://schemas.openxmlformats.org/officeDocument/2006/relationships" xmlns:p="http://schemas.openxmlformats.org/presentationml/2006/main">
+  <p:cSld>
+    <p:spTree>
+      <p:nvGrpSpPr>
+        <p:cNvPr id="1" name=""/>
+        <p:cNvGrpSpPr/>
+        <p:nvPr/>
+      </p:nvGrpSpPr>
+      <p:grpSpPr>
+        <a:xfrm>
+          <a:off x="0" y="0"/>
+          <a:ext cx="0" cy="0"/>
+          <a:chOff x="0" y="0"/>
+          <a:chExt cx="0" cy="0"/>
+        </a:xfrm>
+      </p:grpSpPr>
+      <p:pic>
+        <p:nvPicPr>
+          <p:cNvPr id="8" name="Picture 7" descr="jekyll_logo.png"/>
+          <p:cNvPicPr>
+            <a:picLocks noChangeAspect="1"/>
+          </p:cNvPicPr>
+          <p:nvPr/>
+        </p:nvPicPr>
+        <p:blipFill>
+          <a:blip r:embed="rId2">
+            <a:extLst>
+              <a:ext uri="{28A0092B-C50C-407E-A947-70E740481C1C}">
+                <a14:useLocalDpi xmlns:a14="http://schemas.microsoft.com/office/drawing/2010/main" val="0"/>
+              </a:ext>
+            </a:extLst>
+          </a:blip>
+          <a:stretch>
+            <a:fillRect/>
+          </a:stretch>
+        </p:blipFill>
+        <p:spPr>
+          <a:xfrm>
+            <a:off x="425182" y="125230"/>
+            <a:ext cx="2892772" cy="1336019"/>
+          </a:xfrm>
+          <a:prstGeom prst="rect">
+            <a:avLst/>
+          </a:prstGeom>
+        </p:spPr>
+      </p:pic>
+      <p:sp>
+        <p:nvSpPr>
+          <p:cNvPr id="9" name="Title 1"/>
+          <p:cNvSpPr>
+            <a:spLocks noGrp="1"/>
+          </p:cNvSpPr>
+          <p:nvPr>
+            <p:ph type="title"/>
+          </p:nvPr>
+        </p:nvSpPr>
+        <p:spPr>
+          <a:xfrm>
+            <a:off x="3349972" y="274638"/>
+            <a:ext cx="5336827" cy="1143000"/>
+          </a:xfrm>
+        </p:spPr>
+        <p:txBody>
+          <a:bodyPr/>
+          <a:lstStyle/>
+          <a:p>
+            <a:r>
               <a:rPr lang="en-US" dirty="0" smtClean="0"/>
               <a:t>Custom Data</a:t>
             </a:r>
@@ -6790,7 +6953,7 @@
 </p:sld>
 </file>
 
-<file path=ppt/slides/slide21.xml><?xml version="1.0" encoding="utf-8"?>
+<file path=ppt/slides/slide22.xml><?xml version="1.0" encoding="utf-8"?>
 <p:sld xmlns:a="http://schemas.openxmlformats.org/drawingml/2006/main" xmlns:r="http://schemas.openxmlformats.org/officeDocument/2006/relationships" xmlns:p="http://schemas.openxmlformats.org/presentationml/2006/main">
   <p:cSld>
     <p:spTree>
@@ -8657,7 +8820,7 @@
 </p:sld>
 </file>
 
-<file path=ppt/slides/slide22.xml><?xml version="1.0" encoding="utf-8"?>
+<file path=ppt/slides/slide23.xml><?xml version="1.0" encoding="utf-8"?>
 <p:sld xmlns:a="http://schemas.openxmlformats.org/drawingml/2006/main" xmlns:r="http://schemas.openxmlformats.org/officeDocument/2006/relationships" xmlns:p="http://schemas.openxmlformats.org/presentationml/2006/main">
   <p:cSld>
     <p:spTree>
@@ -8808,7 +8971,7 @@
 </p:sld>
 </file>
 
-<file path=ppt/slides/slide23.xml><?xml version="1.0" encoding="utf-8"?>
+<file path=ppt/slides/slide24.xml><?xml version="1.0" encoding="utf-8"?>
 <p:sld xmlns:a="http://schemas.openxmlformats.org/drawingml/2006/main" xmlns:r="http://schemas.openxmlformats.org/officeDocument/2006/relationships" xmlns:p="http://schemas.openxmlformats.org/presentationml/2006/main">
   <p:cSld>
     <p:spTree>
@@ -9023,7 +9186,7 @@
 </p:sld>
 </file>
 
-<file path=ppt/slides/slide24.xml><?xml version="1.0" encoding="utf-8"?>
+<file path=ppt/slides/slide25.xml><?xml version="1.0" encoding="utf-8"?>
 <p:sld xmlns:a="http://schemas.openxmlformats.org/drawingml/2006/main" xmlns:r="http://schemas.openxmlformats.org/officeDocument/2006/relationships" xmlns:p="http://schemas.openxmlformats.org/presentationml/2006/main">
   <p:cSld>
     <p:spTree>
@@ -9267,7 +9430,7 @@
 </p:sld>
 </file>
 
-<file path=ppt/slides/slide25.xml><?xml version="1.0" encoding="utf-8"?>
+<file path=ppt/slides/slide26.xml><?xml version="1.0" encoding="utf-8"?>
 <p:sld xmlns:a="http://schemas.openxmlformats.org/drawingml/2006/main" xmlns:r="http://schemas.openxmlformats.org/officeDocument/2006/relationships" xmlns:p="http://schemas.openxmlformats.org/presentationml/2006/main">
   <p:cSld>
     <p:spTree>
@@ -9701,256 +9864,6 @@
     <p:extLst>
       <p:ext uri="{BB962C8B-B14F-4D97-AF65-F5344CB8AC3E}">
         <p14:creationId xmlns:p14="http://schemas.microsoft.com/office/powerpoint/2010/main" val="2835766841"/>
-      </p:ext>
-    </p:extLst>
-  </p:cSld>
-  <p:clrMapOvr>
-    <a:masterClrMapping/>
-  </p:clrMapOvr>
-  <mc:AlternateContent xmlns:mc="http://schemas.openxmlformats.org/markup-compatibility/2006">
-    <mc:Choice xmlns:p14="http://schemas.microsoft.com/office/powerpoint/2010/main" Requires="p14">
-      <p:transition spd="slow" p14:dur="2000"/>
-    </mc:Choice>
-    <mc:Fallback>
-      <p:transition xmlns:p14="http://schemas.microsoft.com/office/powerpoint/2010/main" spd="slow"/>
-    </mc:Fallback>
-  </mc:AlternateContent>
-  <p:timing>
-    <p:tnLst>
-      <p:par>
-        <p:cTn xmlns:p14="http://schemas.microsoft.com/office/powerpoint/2010/main" id="1" dur="indefinite" restart="never" nodeType="tmRoot"/>
-      </p:par>
-    </p:tnLst>
-  </p:timing>
-</p:sld>
-</file>
-
-<file path=ppt/slides/slide26.xml><?xml version="1.0" encoding="utf-8"?>
-<p:sld xmlns:a="http://schemas.openxmlformats.org/drawingml/2006/main" xmlns:r="http://schemas.openxmlformats.org/officeDocument/2006/relationships" xmlns:p="http://schemas.openxmlformats.org/presentationml/2006/main">
-  <p:cSld>
-    <p:spTree>
-      <p:nvGrpSpPr>
-        <p:cNvPr id="1" name=""/>
-        <p:cNvGrpSpPr/>
-        <p:nvPr/>
-      </p:nvGrpSpPr>
-      <p:grpSpPr>
-        <a:xfrm>
-          <a:off x="0" y="0"/>
-          <a:ext cx="0" cy="0"/>
-          <a:chOff x="0" y="0"/>
-          <a:chExt cx="0" cy="0"/>
-        </a:xfrm>
-      </p:grpSpPr>
-      <p:sp>
-        <p:nvSpPr>
-          <p:cNvPr id="9" name="Title 1"/>
-          <p:cNvSpPr>
-            <a:spLocks noGrp="1"/>
-          </p:cNvSpPr>
-          <p:nvPr>
-            <p:ph type="title"/>
-          </p:nvPr>
-        </p:nvSpPr>
-        <p:spPr>
-          <a:xfrm>
-            <a:off x="3349972" y="274638"/>
-            <a:ext cx="5336827" cy="1143000"/>
-          </a:xfrm>
-        </p:spPr>
-        <p:txBody>
-          <a:bodyPr/>
-          <a:lstStyle/>
-          <a:p>
-            <a:r>
-              <a:rPr lang="en-US" dirty="0" smtClean="0"/>
-              <a:t>Getting Started</a:t>
-            </a:r>
-            <a:endParaRPr lang="en-US" dirty="0"/>
-          </a:p>
-        </p:txBody>
-      </p:sp>
-      <p:sp>
-        <p:nvSpPr>
-          <p:cNvPr id="5" name="Content Placeholder 2"/>
-          <p:cNvSpPr>
-            <a:spLocks noGrp="1"/>
-          </p:cNvSpPr>
-          <p:nvPr>
-            <p:ph idx="1"/>
-          </p:nvPr>
-        </p:nvSpPr>
-        <p:spPr>
-          <a:xfrm>
-            <a:off x="457200" y="2230416"/>
-            <a:ext cx="8229600" cy="3799699"/>
-          </a:xfrm>
-        </p:spPr>
-        <p:txBody>
-          <a:bodyPr>
-            <a:normAutofit/>
-          </a:bodyPr>
-          <a:lstStyle/>
-          <a:p>
-            <a:r>
-              <a:rPr lang="en-US" dirty="0" smtClean="0"/>
-              <a:t>Create a new blog project:</a:t>
-            </a:r>
-          </a:p>
-          <a:p>
-            <a:endParaRPr lang="en-US" dirty="0" smtClean="0"/>
-          </a:p>
-          <a:p>
-            <a:r>
-              <a:rPr lang="en-US" dirty="0" smtClean="0"/>
-              <a:t>Generate an article</a:t>
-            </a:r>
-          </a:p>
-          <a:p>
-            <a:endParaRPr lang="en-US" dirty="0" smtClean="0"/>
-          </a:p>
-        </p:txBody>
-      </p:sp>
-      <p:sp>
-        <p:nvSpPr>
-          <p:cNvPr id="3" name="TextBox 2"/>
-          <p:cNvSpPr txBox="1"/>
-          <p:nvPr/>
-        </p:nvSpPr>
-        <p:spPr>
-          <a:xfrm>
-            <a:off x="907196" y="2881398"/>
-            <a:ext cx="7779604" cy="369332"/>
-          </a:xfrm>
-          <a:prstGeom prst="rect">
-            <a:avLst/>
-          </a:prstGeom>
-          <a:solidFill>
-            <a:schemeClr val="tx1">
-              <a:lumMod val="75000"/>
-            </a:schemeClr>
-          </a:solidFill>
-        </p:spPr>
-        <p:txBody>
-          <a:bodyPr wrap="square" rtlCol="0">
-            <a:spAutoFit/>
-          </a:bodyPr>
-          <a:lstStyle/>
-          <a:p>
-            <a:r>
-              <a:rPr lang="en-US" dirty="0">
-                <a:solidFill>
-                  <a:schemeClr val="bg1">
-                    <a:lumMod val="65000"/>
-                    <a:lumOff val="35000"/>
-                  </a:schemeClr>
-                </a:solidFill>
-                <a:latin typeface="Source Code Pro"/>
-              </a:rPr>
-              <a:t>&gt; middleman </a:t>
-            </a:r>
-            <a:r>
-              <a:rPr lang="en-US" dirty="0" err="1">
-                <a:solidFill>
-                  <a:schemeClr val="bg1">
-                    <a:lumMod val="65000"/>
-                    <a:lumOff val="35000"/>
-                  </a:schemeClr>
-                </a:solidFill>
-                <a:latin typeface="Source Code Pro"/>
-              </a:rPr>
-              <a:t>init</a:t>
-            </a:r>
-            <a:r>
-              <a:rPr lang="en-US" dirty="0">
-                <a:solidFill>
-                  <a:schemeClr val="bg1">
-                    <a:lumMod val="65000"/>
-                    <a:lumOff val="35000"/>
-                  </a:schemeClr>
-                </a:solidFill>
-                <a:latin typeface="Source Code Pro"/>
-              </a:rPr>
-              <a:t> MY_BLOG_PROJECT --template=blog</a:t>
-            </a:r>
-          </a:p>
-        </p:txBody>
-      </p:sp>
-      <p:pic>
-        <p:nvPicPr>
-          <p:cNvPr id="6" name="Picture 5" descr="mm-blue-w-text.png"/>
-          <p:cNvPicPr>
-            <a:picLocks noChangeAspect="1"/>
-          </p:cNvPicPr>
-          <p:nvPr/>
-        </p:nvPicPr>
-        <p:blipFill>
-          <a:blip r:embed="rId2">
-            <a:extLst>
-              <a:ext uri="{28A0092B-C50C-407E-A947-70E740481C1C}">
-                <a14:useLocalDpi xmlns:a14="http://schemas.microsoft.com/office/drawing/2010/main" val="0"/>
-              </a:ext>
-            </a:extLst>
-          </a:blip>
-          <a:stretch>
-            <a:fillRect/>
-          </a:stretch>
-        </p:blipFill>
-        <p:spPr>
-          <a:xfrm>
-            <a:off x="992580" y="210606"/>
-            <a:ext cx="2065046" cy="2065046"/>
-          </a:xfrm>
-          <a:prstGeom prst="rect">
-            <a:avLst/>
-          </a:prstGeom>
-        </p:spPr>
-      </p:pic>
-      <p:sp>
-        <p:nvSpPr>
-          <p:cNvPr id="7" name="TextBox 6"/>
-          <p:cNvSpPr txBox="1"/>
-          <p:nvPr/>
-        </p:nvSpPr>
-        <p:spPr>
-          <a:xfrm>
-            <a:off x="907195" y="3994264"/>
-            <a:ext cx="7779604" cy="369332"/>
-          </a:xfrm>
-          <a:prstGeom prst="rect">
-            <a:avLst/>
-          </a:prstGeom>
-          <a:solidFill>
-            <a:schemeClr val="tx1">
-              <a:lumMod val="75000"/>
-            </a:schemeClr>
-          </a:solidFill>
-        </p:spPr>
-        <p:txBody>
-          <a:bodyPr wrap="square" rtlCol="0">
-            <a:spAutoFit/>
-          </a:bodyPr>
-          <a:lstStyle/>
-          <a:p>
-            <a:r>
-              <a:rPr lang="en-US" dirty="0">
-                <a:solidFill>
-                  <a:schemeClr val="bg1">
-                    <a:lumMod val="65000"/>
-                    <a:lumOff val="35000"/>
-                  </a:schemeClr>
-                </a:solidFill>
-                <a:latin typeface="Source Code Pro"/>
-              </a:rPr>
-              <a:t>middleman article TITLE</a:t>
-            </a:r>
-          </a:p>
-        </p:txBody>
-      </p:sp>
-    </p:spTree>
-    <p:extLst>
-      <p:ext uri="{BB962C8B-B14F-4D97-AF65-F5344CB8AC3E}">
-        <p14:creationId xmlns:p14="http://schemas.microsoft.com/office/powerpoint/2010/main" val="3294510747"/>
       </p:ext>
     </p:extLst>
   </p:cSld>
@@ -10013,6 +9926,256 @@
           <a:lstStyle/>
           <a:p>
             <a:r>
+              <a:rPr lang="en-US" dirty="0" smtClean="0"/>
+              <a:t>Getting Started</a:t>
+            </a:r>
+            <a:endParaRPr lang="en-US" dirty="0"/>
+          </a:p>
+        </p:txBody>
+      </p:sp>
+      <p:sp>
+        <p:nvSpPr>
+          <p:cNvPr id="5" name="Content Placeholder 2"/>
+          <p:cNvSpPr>
+            <a:spLocks noGrp="1"/>
+          </p:cNvSpPr>
+          <p:nvPr>
+            <p:ph idx="1"/>
+          </p:nvPr>
+        </p:nvSpPr>
+        <p:spPr>
+          <a:xfrm>
+            <a:off x="457200" y="2230416"/>
+            <a:ext cx="8229600" cy="3799699"/>
+          </a:xfrm>
+        </p:spPr>
+        <p:txBody>
+          <a:bodyPr>
+            <a:normAutofit/>
+          </a:bodyPr>
+          <a:lstStyle/>
+          <a:p>
+            <a:r>
+              <a:rPr lang="en-US" dirty="0" smtClean="0"/>
+              <a:t>Create a new blog project:</a:t>
+            </a:r>
+          </a:p>
+          <a:p>
+            <a:endParaRPr lang="en-US" dirty="0" smtClean="0"/>
+          </a:p>
+          <a:p>
+            <a:r>
+              <a:rPr lang="en-US" dirty="0" smtClean="0"/>
+              <a:t>Generate an article</a:t>
+            </a:r>
+          </a:p>
+          <a:p>
+            <a:endParaRPr lang="en-US" dirty="0" smtClean="0"/>
+          </a:p>
+        </p:txBody>
+      </p:sp>
+      <p:sp>
+        <p:nvSpPr>
+          <p:cNvPr id="3" name="TextBox 2"/>
+          <p:cNvSpPr txBox="1"/>
+          <p:nvPr/>
+        </p:nvSpPr>
+        <p:spPr>
+          <a:xfrm>
+            <a:off x="907196" y="2881398"/>
+            <a:ext cx="7779604" cy="369332"/>
+          </a:xfrm>
+          <a:prstGeom prst="rect">
+            <a:avLst/>
+          </a:prstGeom>
+          <a:solidFill>
+            <a:schemeClr val="tx1">
+              <a:lumMod val="75000"/>
+            </a:schemeClr>
+          </a:solidFill>
+        </p:spPr>
+        <p:txBody>
+          <a:bodyPr wrap="square" rtlCol="0">
+            <a:spAutoFit/>
+          </a:bodyPr>
+          <a:lstStyle/>
+          <a:p>
+            <a:r>
+              <a:rPr lang="en-US" dirty="0">
+                <a:solidFill>
+                  <a:schemeClr val="bg1">
+                    <a:lumMod val="65000"/>
+                    <a:lumOff val="35000"/>
+                  </a:schemeClr>
+                </a:solidFill>
+                <a:latin typeface="Source Code Pro"/>
+              </a:rPr>
+              <a:t>&gt; middleman </a:t>
+            </a:r>
+            <a:r>
+              <a:rPr lang="en-US" dirty="0" err="1">
+                <a:solidFill>
+                  <a:schemeClr val="bg1">
+                    <a:lumMod val="65000"/>
+                    <a:lumOff val="35000"/>
+                  </a:schemeClr>
+                </a:solidFill>
+                <a:latin typeface="Source Code Pro"/>
+              </a:rPr>
+              <a:t>init</a:t>
+            </a:r>
+            <a:r>
+              <a:rPr lang="en-US" dirty="0">
+                <a:solidFill>
+                  <a:schemeClr val="bg1">
+                    <a:lumMod val="65000"/>
+                    <a:lumOff val="35000"/>
+                  </a:schemeClr>
+                </a:solidFill>
+                <a:latin typeface="Source Code Pro"/>
+              </a:rPr>
+              <a:t> MY_BLOG_PROJECT --template=blog</a:t>
+            </a:r>
+          </a:p>
+        </p:txBody>
+      </p:sp>
+      <p:pic>
+        <p:nvPicPr>
+          <p:cNvPr id="6" name="Picture 5" descr="mm-blue-w-text.png"/>
+          <p:cNvPicPr>
+            <a:picLocks noChangeAspect="1"/>
+          </p:cNvPicPr>
+          <p:nvPr/>
+        </p:nvPicPr>
+        <p:blipFill>
+          <a:blip r:embed="rId2">
+            <a:extLst>
+              <a:ext uri="{28A0092B-C50C-407E-A947-70E740481C1C}">
+                <a14:useLocalDpi xmlns:a14="http://schemas.microsoft.com/office/drawing/2010/main" val="0"/>
+              </a:ext>
+            </a:extLst>
+          </a:blip>
+          <a:stretch>
+            <a:fillRect/>
+          </a:stretch>
+        </p:blipFill>
+        <p:spPr>
+          <a:xfrm>
+            <a:off x="992580" y="210606"/>
+            <a:ext cx="2065046" cy="2065046"/>
+          </a:xfrm>
+          <a:prstGeom prst="rect">
+            <a:avLst/>
+          </a:prstGeom>
+        </p:spPr>
+      </p:pic>
+      <p:sp>
+        <p:nvSpPr>
+          <p:cNvPr id="7" name="TextBox 6"/>
+          <p:cNvSpPr txBox="1"/>
+          <p:nvPr/>
+        </p:nvSpPr>
+        <p:spPr>
+          <a:xfrm>
+            <a:off x="907195" y="3994264"/>
+            <a:ext cx="7779604" cy="369332"/>
+          </a:xfrm>
+          <a:prstGeom prst="rect">
+            <a:avLst/>
+          </a:prstGeom>
+          <a:solidFill>
+            <a:schemeClr val="tx1">
+              <a:lumMod val="75000"/>
+            </a:schemeClr>
+          </a:solidFill>
+        </p:spPr>
+        <p:txBody>
+          <a:bodyPr wrap="square" rtlCol="0">
+            <a:spAutoFit/>
+          </a:bodyPr>
+          <a:lstStyle/>
+          <a:p>
+            <a:r>
+              <a:rPr lang="en-US" dirty="0">
+                <a:solidFill>
+                  <a:schemeClr val="bg1">
+                    <a:lumMod val="65000"/>
+                    <a:lumOff val="35000"/>
+                  </a:schemeClr>
+                </a:solidFill>
+                <a:latin typeface="Source Code Pro"/>
+              </a:rPr>
+              <a:t>middleman article TITLE</a:t>
+            </a:r>
+          </a:p>
+        </p:txBody>
+      </p:sp>
+    </p:spTree>
+    <p:extLst>
+      <p:ext uri="{BB962C8B-B14F-4D97-AF65-F5344CB8AC3E}">
+        <p14:creationId xmlns:p14="http://schemas.microsoft.com/office/powerpoint/2010/main" val="3294510747"/>
+      </p:ext>
+    </p:extLst>
+  </p:cSld>
+  <p:clrMapOvr>
+    <a:masterClrMapping/>
+  </p:clrMapOvr>
+  <mc:AlternateContent xmlns:mc="http://schemas.openxmlformats.org/markup-compatibility/2006">
+    <mc:Choice xmlns:p14="http://schemas.microsoft.com/office/powerpoint/2010/main" Requires="p14">
+      <p:transition spd="slow" p14:dur="2000"/>
+    </mc:Choice>
+    <mc:Fallback>
+      <p:transition xmlns:p14="http://schemas.microsoft.com/office/powerpoint/2010/main" spd="slow"/>
+    </mc:Fallback>
+  </mc:AlternateContent>
+  <p:timing>
+    <p:tnLst>
+      <p:par>
+        <p:cTn xmlns:p14="http://schemas.microsoft.com/office/powerpoint/2010/main" id="1" dur="indefinite" restart="never" nodeType="tmRoot"/>
+      </p:par>
+    </p:tnLst>
+  </p:timing>
+</p:sld>
+</file>
+
+<file path=ppt/slides/slide28.xml><?xml version="1.0" encoding="utf-8"?>
+<p:sld xmlns:a="http://schemas.openxmlformats.org/drawingml/2006/main" xmlns:r="http://schemas.openxmlformats.org/officeDocument/2006/relationships" xmlns:p="http://schemas.openxmlformats.org/presentationml/2006/main">
+  <p:cSld>
+    <p:spTree>
+      <p:nvGrpSpPr>
+        <p:cNvPr id="1" name=""/>
+        <p:cNvGrpSpPr/>
+        <p:nvPr/>
+      </p:nvGrpSpPr>
+      <p:grpSpPr>
+        <a:xfrm>
+          <a:off x="0" y="0"/>
+          <a:ext cx="0" cy="0"/>
+          <a:chOff x="0" y="0"/>
+          <a:chExt cx="0" cy="0"/>
+        </a:xfrm>
+      </p:grpSpPr>
+      <p:sp>
+        <p:nvSpPr>
+          <p:cNvPr id="9" name="Title 1"/>
+          <p:cNvSpPr>
+            <a:spLocks noGrp="1"/>
+          </p:cNvSpPr>
+          <p:nvPr>
+            <p:ph type="title"/>
+          </p:nvPr>
+        </p:nvSpPr>
+        <p:spPr>
+          <a:xfrm>
+            <a:off x="3349972" y="274638"/>
+            <a:ext cx="5336827" cy="1143000"/>
+          </a:xfrm>
+        </p:spPr>
+        <p:txBody>
+          <a:bodyPr/>
+          <a:lstStyle/>
+          <a:p>
+            <a:r>
               <a:rPr lang="en-US" dirty="0" err="1" smtClean="0"/>
               <a:t>Templating</a:t>
             </a:r>
@@ -10192,7 +10355,7 @@
 </p:sld>
 </file>
 
-<file path=ppt/slides/slide28.xml><?xml version="1.0" encoding="utf-8"?>
+<file path=ppt/slides/slide29.xml><?xml version="1.0" encoding="utf-8"?>
 <p:sld xmlns:a="http://schemas.openxmlformats.org/drawingml/2006/main" xmlns:r="http://schemas.openxmlformats.org/officeDocument/2006/relationships" xmlns:p="http://schemas.openxmlformats.org/presentationml/2006/main">
   <p:cSld>
     <p:spTree>
@@ -10489,7 +10652,128 @@
 </p:sld>
 </file>
 
-<file path=ppt/slides/slide29.xml><?xml version="1.0" encoding="utf-8"?>
+<file path=ppt/slides/slide3.xml><?xml version="1.0" encoding="utf-8"?>
+<p:sld xmlns:a="http://schemas.openxmlformats.org/drawingml/2006/main" xmlns:r="http://schemas.openxmlformats.org/officeDocument/2006/relationships" xmlns:p="http://schemas.openxmlformats.org/presentationml/2006/main">
+  <p:cSld>
+    <p:spTree>
+      <p:nvGrpSpPr>
+        <p:cNvPr id="1" name=""/>
+        <p:cNvGrpSpPr/>
+        <p:nvPr/>
+      </p:nvGrpSpPr>
+      <p:grpSpPr>
+        <a:xfrm>
+          <a:off x="0" y="0"/>
+          <a:ext cx="0" cy="0"/>
+          <a:chOff x="0" y="0"/>
+          <a:chExt cx="0" cy="0"/>
+        </a:xfrm>
+      </p:grpSpPr>
+      <p:sp>
+        <p:nvSpPr>
+          <p:cNvPr id="2" name="Title 1"/>
+          <p:cNvSpPr>
+            <a:spLocks noGrp="1"/>
+          </p:cNvSpPr>
+          <p:nvPr>
+            <p:ph type="title"/>
+          </p:nvPr>
+        </p:nvSpPr>
+        <p:spPr/>
+        <p:txBody>
+          <a:bodyPr/>
+          <a:lstStyle/>
+          <a:p>
+            <a:r>
+              <a:rPr lang="en-US" dirty="0" smtClean="0"/>
+              <a:t>Who Am I?</a:t>
+            </a:r>
+            <a:endParaRPr lang="en-US" dirty="0"/>
+          </a:p>
+        </p:txBody>
+      </p:sp>
+      <p:sp>
+        <p:nvSpPr>
+          <p:cNvPr id="3" name="Content Placeholder 2"/>
+          <p:cNvSpPr>
+            <a:spLocks noGrp="1"/>
+          </p:cNvSpPr>
+          <p:nvPr>
+            <p:ph idx="1"/>
+          </p:nvPr>
+        </p:nvSpPr>
+        <p:spPr>
+          <a:xfrm>
+            <a:off x="457200" y="5366543"/>
+            <a:ext cx="8229600" cy="759619"/>
+          </a:xfrm>
+        </p:spPr>
+        <p:txBody>
+          <a:bodyPr/>
+          <a:lstStyle/>
+          <a:p>
+            <a:pPr marL="0" indent="0" algn="ctr">
+              <a:buNone/>
+            </a:pPr>
+            <a:r>
+              <a:rPr lang="en-US" dirty="0" smtClean="0"/>
+              <a:t>I’m a Content &amp; Community Manager at Telerik</a:t>
+            </a:r>
+            <a:endParaRPr lang="en-US" dirty="0"/>
+          </a:p>
+        </p:txBody>
+      </p:sp>
+      <p:pic>
+        <p:nvPicPr>
+          <p:cNvPr id="5" name="Picture 4" descr="BrandMark_Telerik_Horizontal_Small_Color_OnBlack.png"/>
+          <p:cNvPicPr>
+            <a:picLocks noChangeAspect="1"/>
+          </p:cNvPicPr>
+          <p:nvPr/>
+        </p:nvPicPr>
+        <p:blipFill>
+          <a:blip r:embed="rId2">
+            <a:extLst>
+              <a:ext uri="{28A0092B-C50C-407E-A947-70E740481C1C}">
+                <a14:useLocalDpi xmlns:a14="http://schemas.microsoft.com/office/drawing/2010/main" val="0"/>
+              </a:ext>
+            </a:extLst>
+          </a:blip>
+          <a:stretch>
+            <a:fillRect/>
+          </a:stretch>
+        </p:blipFill>
+        <p:spPr>
+          <a:xfrm>
+            <a:off x="0" y="1511300"/>
+            <a:ext cx="9144000" cy="3810701"/>
+          </a:xfrm>
+          <a:prstGeom prst="rect">
+            <a:avLst/>
+          </a:prstGeom>
+        </p:spPr>
+      </p:pic>
+    </p:spTree>
+    <p:extLst>
+      <p:ext uri="{BB962C8B-B14F-4D97-AF65-F5344CB8AC3E}">
+        <p14:creationId xmlns:p14="http://schemas.microsoft.com/office/powerpoint/2010/main" val="1512375824"/>
+      </p:ext>
+    </p:extLst>
+  </p:cSld>
+  <p:clrMapOvr>
+    <a:masterClrMapping/>
+  </p:clrMapOvr>
+  <p:timing>
+    <p:tnLst>
+      <p:par>
+        <p:cTn xmlns:p14="http://schemas.microsoft.com/office/powerpoint/2010/main" id="1" dur="indefinite" restart="never" nodeType="tmRoot"/>
+      </p:par>
+    </p:tnLst>
+  </p:timing>
+</p:sld>
+</file>
+
+<file path=ppt/slides/slide30.xml><?xml version="1.0" encoding="utf-8"?>
 <p:sld xmlns:a="http://schemas.openxmlformats.org/drawingml/2006/main" xmlns:r="http://schemas.openxmlformats.org/officeDocument/2006/relationships" xmlns:p="http://schemas.openxmlformats.org/presentationml/2006/main">
   <p:cSld>
     <p:spTree>
@@ -12296,128 +12580,7 @@
 </p:sld>
 </file>
 
-<file path=ppt/slides/slide3.xml><?xml version="1.0" encoding="utf-8"?>
-<p:sld xmlns:a="http://schemas.openxmlformats.org/drawingml/2006/main" xmlns:r="http://schemas.openxmlformats.org/officeDocument/2006/relationships" xmlns:p="http://schemas.openxmlformats.org/presentationml/2006/main">
-  <p:cSld>
-    <p:spTree>
-      <p:nvGrpSpPr>
-        <p:cNvPr id="1" name=""/>
-        <p:cNvGrpSpPr/>
-        <p:nvPr/>
-      </p:nvGrpSpPr>
-      <p:grpSpPr>
-        <a:xfrm>
-          <a:off x="0" y="0"/>
-          <a:ext cx="0" cy="0"/>
-          <a:chOff x="0" y="0"/>
-          <a:chExt cx="0" cy="0"/>
-        </a:xfrm>
-      </p:grpSpPr>
-      <p:sp>
-        <p:nvSpPr>
-          <p:cNvPr id="2" name="Title 1"/>
-          <p:cNvSpPr>
-            <a:spLocks noGrp="1"/>
-          </p:cNvSpPr>
-          <p:nvPr>
-            <p:ph type="title"/>
-          </p:nvPr>
-        </p:nvSpPr>
-        <p:spPr/>
-        <p:txBody>
-          <a:bodyPr/>
-          <a:lstStyle/>
-          <a:p>
-            <a:r>
-              <a:rPr lang="en-US" dirty="0" smtClean="0"/>
-              <a:t>Who Am I?</a:t>
-            </a:r>
-            <a:endParaRPr lang="en-US" dirty="0"/>
-          </a:p>
-        </p:txBody>
-      </p:sp>
-      <p:sp>
-        <p:nvSpPr>
-          <p:cNvPr id="3" name="Content Placeholder 2"/>
-          <p:cNvSpPr>
-            <a:spLocks noGrp="1"/>
-          </p:cNvSpPr>
-          <p:nvPr>
-            <p:ph idx="1"/>
-          </p:nvPr>
-        </p:nvSpPr>
-        <p:spPr>
-          <a:xfrm>
-            <a:off x="457200" y="5366543"/>
-            <a:ext cx="8229600" cy="759619"/>
-          </a:xfrm>
-        </p:spPr>
-        <p:txBody>
-          <a:bodyPr/>
-          <a:lstStyle/>
-          <a:p>
-            <a:pPr marL="0" indent="0" algn="ctr">
-              <a:buNone/>
-            </a:pPr>
-            <a:r>
-              <a:rPr lang="en-US" dirty="0" smtClean="0"/>
-              <a:t>I’m a Content &amp; Community Manager at Telerik</a:t>
-            </a:r>
-            <a:endParaRPr lang="en-US" dirty="0"/>
-          </a:p>
-        </p:txBody>
-      </p:sp>
-      <p:pic>
-        <p:nvPicPr>
-          <p:cNvPr id="5" name="Picture 4" descr="BrandMark_Telerik_Horizontal_Small_Color_OnBlack.png"/>
-          <p:cNvPicPr>
-            <a:picLocks noChangeAspect="1"/>
-          </p:cNvPicPr>
-          <p:nvPr/>
-        </p:nvPicPr>
-        <p:blipFill>
-          <a:blip r:embed="rId2">
-            <a:extLst>
-              <a:ext uri="{28A0092B-C50C-407E-A947-70E740481C1C}">
-                <a14:useLocalDpi xmlns:a14="http://schemas.microsoft.com/office/drawing/2010/main" val="0"/>
-              </a:ext>
-            </a:extLst>
-          </a:blip>
-          <a:stretch>
-            <a:fillRect/>
-          </a:stretch>
-        </p:blipFill>
-        <p:spPr>
-          <a:xfrm>
-            <a:off x="0" y="1511300"/>
-            <a:ext cx="9144000" cy="3810701"/>
-          </a:xfrm>
-          <a:prstGeom prst="rect">
-            <a:avLst/>
-          </a:prstGeom>
-        </p:spPr>
-      </p:pic>
-    </p:spTree>
-    <p:extLst>
-      <p:ext uri="{BB962C8B-B14F-4D97-AF65-F5344CB8AC3E}">
-        <p14:creationId xmlns:p14="http://schemas.microsoft.com/office/powerpoint/2010/main" val="1512375824"/>
-      </p:ext>
-    </p:extLst>
-  </p:cSld>
-  <p:clrMapOvr>
-    <a:masterClrMapping/>
-  </p:clrMapOvr>
-  <p:timing>
-    <p:tnLst>
-      <p:par>
-        <p:cTn xmlns:p14="http://schemas.microsoft.com/office/powerpoint/2010/main" id="1" dur="indefinite" restart="never" nodeType="tmRoot"/>
-      </p:par>
-    </p:tnLst>
-  </p:timing>
-</p:sld>
-</file>
-
-<file path=ppt/slides/slide30.xml><?xml version="1.0" encoding="utf-8"?>
+<file path=ppt/slides/slide31.xml><?xml version="1.0" encoding="utf-8"?>
 <p:sld xmlns:a="http://schemas.openxmlformats.org/drawingml/2006/main" xmlns:r="http://schemas.openxmlformats.org/officeDocument/2006/relationships" xmlns:p="http://schemas.openxmlformats.org/presentationml/2006/main">
   <p:cSld>
     <p:spTree>
@@ -12568,7 +12731,7 @@
 </p:sld>
 </file>
 
-<file path=ppt/slides/slide31.xml><?xml version="1.0" encoding="utf-8"?>
+<file path=ppt/slides/slide32.xml><?xml version="1.0" encoding="utf-8"?>
 <p:sld xmlns:a="http://schemas.openxmlformats.org/drawingml/2006/main" xmlns:r="http://schemas.openxmlformats.org/officeDocument/2006/relationships" xmlns:p="http://schemas.openxmlformats.org/presentationml/2006/main">
   <p:cSld>
     <p:spTree>
@@ -12781,7 +12944,7 @@
 </p:sld>
 </file>
 
-<file path=ppt/slides/slide32.xml><?xml version="1.0" encoding="utf-8"?>
+<file path=ppt/slides/slide33.xml><?xml version="1.0" encoding="utf-8"?>
 <p:sld xmlns:a="http://schemas.openxmlformats.org/drawingml/2006/main" xmlns:r="http://schemas.openxmlformats.org/officeDocument/2006/relationships" xmlns:p="http://schemas.openxmlformats.org/presentationml/2006/main">
   <p:cSld>
     <p:spTree>
@@ -13004,7 +13167,7 @@
 </p:sld>
 </file>
 
-<file path=ppt/slides/slide33.xml><?xml version="1.0" encoding="utf-8"?>
+<file path=ppt/slides/slide34.xml><?xml version="1.0" encoding="utf-8"?>
 <p:sld xmlns:a="http://schemas.openxmlformats.org/drawingml/2006/main" xmlns:r="http://schemas.openxmlformats.org/officeDocument/2006/relationships" xmlns:p="http://schemas.openxmlformats.org/presentationml/2006/main">
   <p:cSld>
     <p:spTree>
@@ -13227,7 +13390,7 @@
 </p:sld>
 </file>
 
-<file path=ppt/slides/slide34.xml><?xml version="1.0" encoding="utf-8"?>
+<file path=ppt/slides/slide35.xml><?xml version="1.0" encoding="utf-8"?>
 <p:sld xmlns:a="http://schemas.openxmlformats.org/drawingml/2006/main" xmlns:r="http://schemas.openxmlformats.org/officeDocument/2006/relationships" xmlns:p="http://schemas.openxmlformats.org/presentationml/2006/main">
   <p:cSld>
     <p:spTree>
@@ -13607,7 +13770,7 @@
 </p:sld>
 </file>
 
-<file path=ppt/slides/slide35.xml><?xml version="1.0" encoding="utf-8"?>
+<file path=ppt/slides/slide36.xml><?xml version="1.0" encoding="utf-8"?>
 <p:sld xmlns:a="http://schemas.openxmlformats.org/drawingml/2006/main" xmlns:r="http://schemas.openxmlformats.org/officeDocument/2006/relationships" xmlns:p="http://schemas.openxmlformats.org/presentationml/2006/main">
   <p:cSld>
     <p:spTree>
@@ -13809,7 +13972,7 @@
 </p:sld>
 </file>
 
-<file path=ppt/slides/slide36.xml><?xml version="1.0" encoding="utf-8"?>
+<file path=ppt/slides/slide37.xml><?xml version="1.0" encoding="utf-8"?>
 <p:sld xmlns:a="http://schemas.openxmlformats.org/drawingml/2006/main" xmlns:r="http://schemas.openxmlformats.org/officeDocument/2006/relationships" xmlns:p="http://schemas.openxmlformats.org/presentationml/2006/main">
   <p:cSld>
     <p:spTree>
@@ -13955,7 +14118,7 @@
 </p:sld>
 </file>
 
-<file path=ppt/slides/slide37.xml><?xml version="1.0" encoding="utf-8"?>
+<file path=ppt/slides/slide38.xml><?xml version="1.0" encoding="utf-8"?>
 <p:sld xmlns:a="http://schemas.openxmlformats.org/drawingml/2006/main" xmlns:r="http://schemas.openxmlformats.org/officeDocument/2006/relationships" xmlns:p="http://schemas.openxmlformats.org/presentationml/2006/main">
   <p:cSld>
     <p:spTree>
@@ -15433,7 +15596,7 @@
 </p:sld>
 </file>
 
-<file path=ppt/slides/slide38.xml><?xml version="1.0" encoding="utf-8"?>
+<file path=ppt/slides/slide39.xml><?xml version="1.0" encoding="utf-8"?>
 <p:sld xmlns:a="http://schemas.openxmlformats.org/drawingml/2006/main" xmlns:r="http://schemas.openxmlformats.org/officeDocument/2006/relationships" xmlns:p="http://schemas.openxmlformats.org/presentationml/2006/main">
   <p:cSld>
     <p:spTree>
@@ -15604,7 +15767,72 @@
 </p:sld>
 </file>
 
-<file path=ppt/slides/slide39.xml><?xml version="1.0" encoding="utf-8"?>
+<file path=ppt/slides/slide4.xml><?xml version="1.0" encoding="utf-8"?>
+<p:sld xmlns:a="http://schemas.openxmlformats.org/drawingml/2006/main" xmlns:r="http://schemas.openxmlformats.org/officeDocument/2006/relationships" xmlns:p="http://schemas.openxmlformats.org/presentationml/2006/main">
+  <p:cSld>
+    <p:spTree>
+      <p:nvGrpSpPr>
+        <p:cNvPr id="1" name=""/>
+        <p:cNvGrpSpPr/>
+        <p:nvPr/>
+      </p:nvGrpSpPr>
+      <p:grpSpPr>
+        <a:xfrm>
+          <a:off x="0" y="0"/>
+          <a:ext cx="0" cy="0"/>
+          <a:chOff x="0" y="0"/>
+          <a:chExt cx="0" cy="0"/>
+        </a:xfrm>
+      </p:grpSpPr>
+      <p:sp>
+        <p:nvSpPr>
+          <p:cNvPr id="2" name="Title 1"/>
+          <p:cNvSpPr>
+            <a:spLocks noGrp="1"/>
+          </p:cNvSpPr>
+          <p:nvPr>
+            <p:ph type="title"/>
+          </p:nvPr>
+        </p:nvSpPr>
+        <p:spPr>
+          <a:xfrm>
+            <a:off x="457200" y="2857226"/>
+            <a:ext cx="8229600" cy="1143000"/>
+          </a:xfrm>
+        </p:spPr>
+        <p:txBody>
+          <a:bodyPr/>
+          <a:lstStyle/>
+          <a:p>
+            <a:r>
+              <a:rPr lang="en-US" dirty="0" smtClean="0"/>
+              <a:t>Background</a:t>
+            </a:r>
+            <a:endParaRPr lang="en-US" dirty="0"/>
+          </a:p>
+        </p:txBody>
+      </p:sp>
+    </p:spTree>
+    <p:extLst>
+      <p:ext uri="{BB962C8B-B14F-4D97-AF65-F5344CB8AC3E}">
+        <p14:creationId xmlns:p14="http://schemas.microsoft.com/office/powerpoint/2010/main" val="3345302297"/>
+      </p:ext>
+    </p:extLst>
+  </p:cSld>
+  <p:clrMapOvr>
+    <a:masterClrMapping/>
+  </p:clrMapOvr>
+  <p:timing>
+    <p:tnLst>
+      <p:par>
+        <p:cTn xmlns:p14="http://schemas.microsoft.com/office/powerpoint/2010/main" id="1" dur="indefinite" restart="never" nodeType="tmRoot"/>
+      </p:par>
+    </p:tnLst>
+  </p:timing>
+</p:sld>
+</file>
+
+<file path=ppt/slides/slide40.xml><?xml version="1.0" encoding="utf-8"?>
 <p:sld xmlns:a="http://schemas.openxmlformats.org/drawingml/2006/main" xmlns:r="http://schemas.openxmlformats.org/officeDocument/2006/relationships" xmlns:p="http://schemas.openxmlformats.org/presentationml/2006/main">
   <p:cSld>
     <p:spTree>
@@ -17100,7 +17328,7 @@
 </p:sld>
 </file>
 
-<file path=ppt/slides/slide4.xml><?xml version="1.0" encoding="utf-8"?>
+<file path=ppt/slides/slide41.xml><?xml version="1.0" encoding="utf-8"?>
 <p:sld xmlns:a="http://schemas.openxmlformats.org/drawingml/2006/main" xmlns:r="http://schemas.openxmlformats.org/officeDocument/2006/relationships" xmlns:p="http://schemas.openxmlformats.org/presentationml/2006/main">
   <p:cSld>
     <p:spTree>
@@ -17127,20 +17355,80 @@
             <p:ph type="title"/>
           </p:nvPr>
         </p:nvSpPr>
-        <p:spPr>
-          <a:xfrm>
-            <a:off x="457200" y="2857226"/>
-            <a:ext cx="8229600" cy="1143000"/>
-          </a:xfrm>
-        </p:spPr>
+        <p:spPr/>
+        <p:txBody>
+          <a:bodyPr>
+            <a:normAutofit/>
+          </a:bodyPr>
+          <a:lstStyle/>
+          <a:p>
+            <a:r>
+              <a:rPr lang="en-US" dirty="0" smtClean="0"/>
+              <a:t>Deployment</a:t>
+            </a:r>
+            <a:endParaRPr lang="en-US" dirty="0"/>
+          </a:p>
+        </p:txBody>
+      </p:sp>
+      <p:sp>
+        <p:nvSpPr>
+          <p:cNvPr id="4" name="Content Placeholder 3"/>
+          <p:cNvSpPr>
+            <a:spLocks noGrp="1"/>
+          </p:cNvSpPr>
+          <p:nvPr>
+            <p:ph idx="1"/>
+          </p:nvPr>
+        </p:nvSpPr>
+        <p:spPr/>
         <p:txBody>
           <a:bodyPr/>
           <a:lstStyle/>
           <a:p>
             <a:r>
               <a:rPr lang="en-US" dirty="0" smtClean="0"/>
-              <a:t>Background</a:t>
-            </a:r>
+              <a:t>As static pages to any web server</a:t>
+            </a:r>
+          </a:p>
+          <a:p>
+            <a:r>
+              <a:rPr lang="en-US" dirty="0" err="1" smtClean="0"/>
+              <a:t>GitHub</a:t>
+            </a:r>
+            <a:r>
+              <a:rPr lang="en-US" dirty="0" smtClean="0"/>
+              <a:t> pages</a:t>
+            </a:r>
+          </a:p>
+          <a:p>
+            <a:r>
+              <a:rPr lang="en-US" dirty="0" smtClean="0"/>
+              <a:t>Azure</a:t>
+            </a:r>
+          </a:p>
+          <a:p>
+            <a:r>
+              <a:rPr lang="en-US" dirty="0" err="1" smtClean="0"/>
+              <a:t>Heroku</a:t>
+            </a:r>
+            <a:endParaRPr lang="en-US" dirty="0" smtClean="0"/>
+          </a:p>
+          <a:p>
+            <a:r>
+              <a:rPr lang="en-US" dirty="0" smtClean="0"/>
+              <a:t>Amazon S3</a:t>
+            </a:r>
+          </a:p>
+          <a:p>
+            <a:r>
+              <a:rPr lang="en-US" dirty="0" smtClean="0"/>
+              <a:t>Harp Platform</a:t>
+            </a:r>
+          </a:p>
+          <a:p>
+            <a:pPr marL="0" indent="0">
+              <a:buNone/>
+            </a:pPr>
             <a:endParaRPr lang="en-US" dirty="0"/>
           </a:p>
         </p:txBody>
@@ -17148,7 +17436,7 @@
     </p:spTree>
     <p:extLst>
       <p:ext uri="{BB962C8B-B14F-4D97-AF65-F5344CB8AC3E}">
-        <p14:creationId xmlns:p14="http://schemas.microsoft.com/office/powerpoint/2010/main" val="3345302297"/>
+        <p14:creationId xmlns:p14="http://schemas.microsoft.com/office/powerpoint/2010/main" val="736901950"/>
       </p:ext>
     </p:extLst>
   </p:cSld>
@@ -17165,7 +17453,7 @@
 </p:sld>
 </file>
 
-<file path=ppt/slides/slide40.xml><?xml version="1.0" encoding="utf-8"?>
+<file path=ppt/slides/slide42.xml><?xml version="1.0" encoding="utf-8"?>
 <p:sld xmlns:a="http://schemas.openxmlformats.org/drawingml/2006/main" xmlns:r="http://schemas.openxmlformats.org/officeDocument/2006/relationships" xmlns:p="http://schemas.openxmlformats.org/presentationml/2006/main">
   <p:cSld>
     <p:spTree>
@@ -17296,12 +17584,12 @@
               <a:t>http://www.staticgen.com</a:t>
             </a:r>
             <a:r>
-              <a:rPr lang="en-US" smtClean="0">
+              <a:rPr lang="en-US" dirty="0" smtClean="0">
                 <a:hlinkClick r:id="rId5"/>
               </a:rPr>
               <a:t>/</a:t>
             </a:r>
-            <a:endParaRPr lang="en-US" smtClean="0"/>
+            <a:endParaRPr lang="en-US" dirty="0" smtClean="0"/>
           </a:p>
         </p:txBody>
       </p:sp>
@@ -17325,7 +17613,7 @@
 </p:sld>
 </file>
 
-<file path=ppt/slides/slide41.xml><?xml version="1.0" encoding="utf-8"?>
+<file path=ppt/slides/slide43.xml><?xml version="1.0" encoding="utf-8"?>
 <p:sld xmlns:a="http://schemas.openxmlformats.org/drawingml/2006/main" xmlns:r="http://schemas.openxmlformats.org/officeDocument/2006/relationships" xmlns:p="http://schemas.openxmlformats.org/presentationml/2006/main">
   <p:cSld>
     <p:spTree>
@@ -17490,7 +17778,7 @@
 </p:sld>
 </file>
 
-<file path=ppt/slides/slide42.xml><?xml version="1.0" encoding="utf-8"?>
+<file path=ppt/slides/slide44.xml><?xml version="1.0" encoding="utf-8"?>
 <p:sld xmlns:a="http://schemas.openxmlformats.org/drawingml/2006/main" xmlns:r="http://schemas.openxmlformats.org/officeDocument/2006/relationships" xmlns:p="http://schemas.openxmlformats.org/presentationml/2006/main">
   <p:cSld>
     <p:spTree>

--- a/static-sites.pptx
+++ b/static-sites.pptx
@@ -5,7 +5,7 @@
     <p:sldMasterId id="2147483648" r:id="rId1"/>
   </p:sldMasterIdLst>
   <p:notesMasterIdLst>
-    <p:notesMasterId r:id="rId46"/>
+    <p:notesMasterId r:id="rId45"/>
   </p:notesMasterIdLst>
   <p:sldIdLst>
     <p:sldId id="256" r:id="rId2"/>
@@ -41,17 +41,16 @@
     <p:sldId id="285" r:id="rId32"/>
     <p:sldId id="286" r:id="rId33"/>
     <p:sldId id="287" r:id="rId34"/>
-    <p:sldId id="288" r:id="rId35"/>
-    <p:sldId id="289" r:id="rId36"/>
-    <p:sldId id="290" r:id="rId37"/>
-    <p:sldId id="291" r:id="rId38"/>
-    <p:sldId id="292" r:id="rId39"/>
-    <p:sldId id="294" r:id="rId40"/>
-    <p:sldId id="293" r:id="rId41"/>
-    <p:sldId id="299" r:id="rId42"/>
-    <p:sldId id="295" r:id="rId43"/>
-    <p:sldId id="296" r:id="rId44"/>
-    <p:sldId id="297" r:id="rId45"/>
+    <p:sldId id="289" r:id="rId35"/>
+    <p:sldId id="290" r:id="rId36"/>
+    <p:sldId id="291" r:id="rId37"/>
+    <p:sldId id="292" r:id="rId38"/>
+    <p:sldId id="294" r:id="rId39"/>
+    <p:sldId id="293" r:id="rId40"/>
+    <p:sldId id="299" r:id="rId41"/>
+    <p:sldId id="295" r:id="rId42"/>
+    <p:sldId id="296" r:id="rId43"/>
+    <p:sldId id="297" r:id="rId44"/>
   </p:sldIdLst>
   <p:sldSz cx="9144000" cy="6858000" type="screen4x3"/>
   <p:notesSz cx="6858000" cy="9144000"/>
@@ -4246,6 +4245,9 @@
   <p:clrMapOvr>
     <a:masterClrMapping/>
   </p:clrMapOvr>
+  <p:transition xmlns:p14="http://schemas.microsoft.com/office/powerpoint/2010/main" spd="slow">
+    <p:push dir="u"/>
+  </p:transition>
   <p:timing>
     <p:tnLst>
       <p:par>
@@ -4313,6 +4315,18 @@
   <p:clrMapOvr>
     <a:masterClrMapping/>
   </p:clrMapOvr>
+  <mc:AlternateContent xmlns:mc="http://schemas.openxmlformats.org/markup-compatibility/2006">
+    <mc:Choice xmlns:p14="http://schemas.microsoft.com/office/powerpoint/2010/main" Requires="p14">
+      <p:transition spd="slow" p14:dur="3900">
+        <p14:glitter pattern="hexagon"/>
+      </p:transition>
+    </mc:Choice>
+    <mc:Fallback>
+      <p:transition xmlns:p14="http://schemas.microsoft.com/office/powerpoint/2010/main" spd="slow">
+        <p:fade/>
+      </p:transition>
+    </mc:Fallback>
+  </mc:AlternateContent>
   <p:timing>
     <p:tnLst>
       <p:par>
@@ -5126,7 +5140,83 @@
   <p:timing>
     <p:tnLst>
       <p:par>
-        <p:cTn xmlns:p14="http://schemas.microsoft.com/office/powerpoint/2010/main" id="1" dur="indefinite" restart="never" nodeType="tmRoot"/>
+        <p:cTn xmlns:p14="http://schemas.microsoft.com/office/powerpoint/2010/main" id="1" dur="indefinite" restart="never" nodeType="tmRoot">
+          <p:childTnLst>
+            <p:seq concurrent="1" nextAc="seek">
+              <p:cTn id="2" dur="indefinite" nodeType="mainSeq">
+                <p:childTnLst>
+                  <p:par>
+                    <p:cTn id="3" fill="hold">
+                      <p:stCondLst>
+                        <p:cond delay="indefinite"/>
+                      </p:stCondLst>
+                      <p:childTnLst>
+                        <p:par>
+                          <p:cTn id="4" fill="hold">
+                            <p:stCondLst>
+                              <p:cond delay="0"/>
+                            </p:stCondLst>
+                            <p:childTnLst>
+                              <p:par>
+                                <p:cTn id="5" presetID="10" presetClass="entr" presetSubtype="0" fill="hold" nodeType="clickEffect">
+                                  <p:stCondLst>
+                                    <p:cond delay="0"/>
+                                  </p:stCondLst>
+                                  <p:childTnLst>
+                                    <p:set>
+                                      <p:cBhvr>
+                                        <p:cTn id="6" dur="1" fill="hold">
+                                          <p:stCondLst>
+                                            <p:cond delay="0"/>
+                                          </p:stCondLst>
+                                        </p:cTn>
+                                        <p:tgtEl>
+                                          <p:spTgt spid="5"/>
+                                        </p:tgtEl>
+                                        <p:attrNameLst>
+                                          <p:attrName>style.visibility</p:attrName>
+                                        </p:attrNameLst>
+                                      </p:cBhvr>
+                                      <p:to>
+                                        <p:strVal val="visible"/>
+                                      </p:to>
+                                    </p:set>
+                                    <p:animEffect transition="in" filter="fade">
+                                      <p:cBhvr>
+                                        <p:cTn id="7" dur="500"/>
+                                        <p:tgtEl>
+                                          <p:spTgt spid="5"/>
+                                        </p:tgtEl>
+                                      </p:cBhvr>
+                                    </p:animEffect>
+                                  </p:childTnLst>
+                                </p:cTn>
+                              </p:par>
+                            </p:childTnLst>
+                          </p:cTn>
+                        </p:par>
+                      </p:childTnLst>
+                    </p:cTn>
+                  </p:par>
+                </p:childTnLst>
+              </p:cTn>
+              <p:prevCondLst>
+                <p:cond evt="onPrev" delay="0">
+                  <p:tgtEl>
+                    <p:sldTgt/>
+                  </p:tgtEl>
+                </p:cond>
+              </p:prevCondLst>
+              <p:nextCondLst>
+                <p:cond evt="onNext" delay="0">
+                  <p:tgtEl>
+                    <p:sldTgt/>
+                  </p:tgtEl>
+                </p:cond>
+              </p:nextCondLst>
+            </p:seq>
+          </p:childTnLst>
+        </p:cTn>
       </p:par>
     </p:tnLst>
   </p:timing>
@@ -5343,6 +5433,9 @@
   <p:clrMapOvr>
     <a:masterClrMapping/>
   </p:clrMapOvr>
+  <p:transition xmlns:p14="http://schemas.microsoft.com/office/powerpoint/2010/main" spd="slow">
+    <p:push dir="u"/>
+  </p:transition>
   <p:timing>
     <p:tnLst>
       <p:par>
@@ -6626,6 +6719,18 @@
   <p:clrMapOvr>
     <a:masterClrMapping/>
   </p:clrMapOvr>
+  <mc:AlternateContent xmlns:mc="http://schemas.openxmlformats.org/markup-compatibility/2006">
+    <mc:Choice xmlns:p14="http://schemas.microsoft.com/office/powerpoint/2010/main" Requires="p14">
+      <p:transition spd="med" p14:dur="700">
+        <p:fade/>
+      </p:transition>
+    </mc:Choice>
+    <mc:Fallback>
+      <p:transition xmlns:p14="http://schemas.microsoft.com/office/powerpoint/2010/main" spd="med">
+        <p:fade/>
+      </p:transition>
+    </mc:Fallback>
+  </mc:AlternateContent>
   <p:timing>
     <p:tnLst>
       <p:par>
@@ -10763,6 +10868,9 @@
   <p:clrMapOvr>
     <a:masterClrMapping/>
   </p:clrMapOvr>
+  <p:transition xmlns:p14="http://schemas.microsoft.com/office/powerpoint/2010/main" spd="slow">
+    <p:pull/>
+  </p:transition>
   <p:timing>
     <p:tnLst>
       <p:par>
@@ -13233,229 +13341,6 @@
           <a:lstStyle/>
           <a:p>
             <a:r>
-              <a:rPr lang="en-US" dirty="0" smtClean="0"/>
-              <a:t>JavaScript-based</a:t>
-            </a:r>
-          </a:p>
-          <a:p>
-            <a:endParaRPr lang="en-US" dirty="0" smtClean="0"/>
-          </a:p>
-        </p:txBody>
-      </p:sp>
-      <p:sp>
-        <p:nvSpPr>
-          <p:cNvPr id="3" name="TextBox 2"/>
-          <p:cNvSpPr txBox="1"/>
-          <p:nvPr/>
-        </p:nvSpPr>
-        <p:spPr>
-          <a:xfrm>
-            <a:off x="907196" y="2326464"/>
-            <a:ext cx="7779604" cy="369332"/>
-          </a:xfrm>
-          <a:prstGeom prst="rect">
-            <a:avLst/>
-          </a:prstGeom>
-          <a:solidFill>
-            <a:schemeClr val="tx1">
-              <a:lumMod val="75000"/>
-            </a:schemeClr>
-          </a:solidFill>
-        </p:spPr>
-        <p:txBody>
-          <a:bodyPr wrap="square" rtlCol="0">
-            <a:spAutoFit/>
-          </a:bodyPr>
-          <a:lstStyle/>
-          <a:p>
-            <a:r>
-              <a:rPr lang="en-US" dirty="0">
-                <a:solidFill>
-                  <a:schemeClr val="bg1">
-                    <a:lumMod val="65000"/>
-                    <a:lumOff val="35000"/>
-                  </a:schemeClr>
-                </a:solidFill>
-                <a:latin typeface="Source Code Pro"/>
-              </a:rPr>
-              <a:t>&gt; </a:t>
-            </a:r>
-            <a:r>
-              <a:rPr lang="en-US" dirty="0" err="1">
-                <a:solidFill>
-                  <a:schemeClr val="bg1">
-                    <a:lumMod val="65000"/>
-                    <a:lumOff val="35000"/>
-                  </a:schemeClr>
-                </a:solidFill>
-                <a:latin typeface="Source Code Pro"/>
-              </a:rPr>
-              <a:t>sudo</a:t>
-            </a:r>
-            <a:r>
-              <a:rPr lang="en-US" dirty="0">
-                <a:solidFill>
-                  <a:schemeClr val="bg1">
-                    <a:lumMod val="65000"/>
-                    <a:lumOff val="35000"/>
-                  </a:schemeClr>
-                </a:solidFill>
-                <a:latin typeface="Source Code Pro"/>
-              </a:rPr>
-              <a:t> </a:t>
-            </a:r>
-            <a:r>
-              <a:rPr lang="en-US" dirty="0" err="1">
-                <a:solidFill>
-                  <a:schemeClr val="bg1">
-                    <a:lumMod val="65000"/>
-                    <a:lumOff val="35000"/>
-                  </a:schemeClr>
-                </a:solidFill>
-                <a:latin typeface="Source Code Pro"/>
-              </a:rPr>
-              <a:t>npm</a:t>
-            </a:r>
-            <a:r>
-              <a:rPr lang="en-US" dirty="0">
-                <a:solidFill>
-                  <a:schemeClr val="bg1">
-                    <a:lumMod val="65000"/>
-                    <a:lumOff val="35000"/>
-                  </a:schemeClr>
-                </a:solidFill>
-                <a:latin typeface="Source Code Pro"/>
-              </a:rPr>
-              <a:t> install -g harp</a:t>
-            </a:r>
-          </a:p>
-        </p:txBody>
-      </p:sp>
-      <p:pic>
-        <p:nvPicPr>
-          <p:cNvPr id="6" name="Picture 5" descr="harp_logo.png"/>
-          <p:cNvPicPr>
-            <a:picLocks noChangeAspect="1"/>
-          </p:cNvPicPr>
-          <p:nvPr/>
-        </p:nvPicPr>
-        <p:blipFill>
-          <a:blip r:embed="rId2">
-            <a:lum bright="70000" contrast="-70000"/>
-            <a:extLst>
-              <a:ext uri="{28A0092B-C50C-407E-A947-70E740481C1C}">
-                <a14:useLocalDpi xmlns:a14="http://schemas.microsoft.com/office/drawing/2010/main" val="0"/>
-              </a:ext>
-            </a:extLst>
-          </a:blip>
-          <a:stretch>
-            <a:fillRect/>
-          </a:stretch>
-        </p:blipFill>
-        <p:spPr>
-          <a:xfrm>
-            <a:off x="1017777" y="501030"/>
-            <a:ext cx="1905000" cy="711200"/>
-          </a:xfrm>
-          <a:prstGeom prst="rect">
-            <a:avLst/>
-          </a:prstGeom>
-        </p:spPr>
-      </p:pic>
-    </p:spTree>
-    <p:extLst>
-      <p:ext uri="{BB962C8B-B14F-4D97-AF65-F5344CB8AC3E}">
-        <p14:creationId xmlns:p14="http://schemas.microsoft.com/office/powerpoint/2010/main" val="4146481931"/>
-      </p:ext>
-    </p:extLst>
-  </p:cSld>
-  <p:clrMapOvr>
-    <a:masterClrMapping/>
-  </p:clrMapOvr>
-  <mc:AlternateContent xmlns:mc="http://schemas.openxmlformats.org/markup-compatibility/2006">
-    <mc:Choice xmlns:p14="http://schemas.microsoft.com/office/powerpoint/2010/main" Requires="p14">
-      <p:transition spd="slow" p14:dur="2000"/>
-    </mc:Choice>
-    <mc:Fallback>
-      <p:transition xmlns:p14="http://schemas.microsoft.com/office/powerpoint/2010/main" spd="slow"/>
-    </mc:Fallback>
-  </mc:AlternateContent>
-  <p:timing>
-    <p:tnLst>
-      <p:par>
-        <p:cTn xmlns:p14="http://schemas.microsoft.com/office/powerpoint/2010/main" id="1" dur="indefinite" restart="never" nodeType="tmRoot"/>
-      </p:par>
-    </p:tnLst>
-  </p:timing>
-</p:sld>
-</file>
-
-<file path=ppt/slides/slide35.xml><?xml version="1.0" encoding="utf-8"?>
-<p:sld xmlns:a="http://schemas.openxmlformats.org/drawingml/2006/main" xmlns:r="http://schemas.openxmlformats.org/officeDocument/2006/relationships" xmlns:p="http://schemas.openxmlformats.org/presentationml/2006/main">
-  <p:cSld>
-    <p:spTree>
-      <p:nvGrpSpPr>
-        <p:cNvPr id="1" name=""/>
-        <p:cNvGrpSpPr/>
-        <p:nvPr/>
-      </p:nvGrpSpPr>
-      <p:grpSpPr>
-        <a:xfrm>
-          <a:off x="0" y="0"/>
-          <a:ext cx="0" cy="0"/>
-          <a:chOff x="0" y="0"/>
-          <a:chExt cx="0" cy="0"/>
-        </a:xfrm>
-      </p:grpSpPr>
-      <p:sp>
-        <p:nvSpPr>
-          <p:cNvPr id="9" name="Title 1"/>
-          <p:cNvSpPr>
-            <a:spLocks noGrp="1"/>
-          </p:cNvSpPr>
-          <p:nvPr>
-            <p:ph type="title"/>
-          </p:nvPr>
-        </p:nvSpPr>
-        <p:spPr>
-          <a:xfrm>
-            <a:off x="3349972" y="274638"/>
-            <a:ext cx="5336827" cy="1143000"/>
-          </a:xfrm>
-        </p:spPr>
-        <p:txBody>
-          <a:bodyPr/>
-          <a:lstStyle/>
-          <a:p>
-            <a:r>
-              <a:rPr lang="en-US" dirty="0" smtClean="0"/>
-              <a:t>Getting Started</a:t>
-            </a:r>
-            <a:endParaRPr lang="en-US" dirty="0"/>
-          </a:p>
-        </p:txBody>
-      </p:sp>
-      <p:sp>
-        <p:nvSpPr>
-          <p:cNvPr id="5" name="Content Placeholder 2"/>
-          <p:cNvSpPr>
-            <a:spLocks noGrp="1"/>
-          </p:cNvSpPr>
-          <p:nvPr>
-            <p:ph idx="1"/>
-          </p:nvPr>
-        </p:nvSpPr>
-        <p:spPr>
-          <a:xfrm>
-            <a:off x="457200" y="1600200"/>
-            <a:ext cx="8229600" cy="4525963"/>
-          </a:xfrm>
-        </p:spPr>
-        <p:txBody>
-          <a:bodyPr/>
-          <a:lstStyle/>
-          <a:p>
-            <a:r>
               <a:rPr lang="en-US" dirty="0"/>
               <a:t>Create a new project</a:t>
             </a:r>
@@ -13770,7 +13655,7 @@
 </p:sld>
 </file>
 
-<file path=ppt/slides/slide36.xml><?xml version="1.0" encoding="utf-8"?>
+<file path=ppt/slides/slide35.xml><?xml version="1.0" encoding="utf-8"?>
 <p:sld xmlns:a="http://schemas.openxmlformats.org/drawingml/2006/main" xmlns:r="http://schemas.openxmlformats.org/officeDocument/2006/relationships" xmlns:p="http://schemas.openxmlformats.org/presentationml/2006/main">
   <p:cSld>
     <p:spTree>
@@ -13972,7 +13857,7 @@
 </p:sld>
 </file>
 
-<file path=ppt/slides/slide37.xml><?xml version="1.0" encoding="utf-8"?>
+<file path=ppt/slides/slide36.xml><?xml version="1.0" encoding="utf-8"?>
 <p:sld xmlns:a="http://schemas.openxmlformats.org/drawingml/2006/main" xmlns:r="http://schemas.openxmlformats.org/officeDocument/2006/relationships" xmlns:p="http://schemas.openxmlformats.org/presentationml/2006/main">
   <p:cSld>
     <p:spTree>
@@ -14039,7 +13924,7 @@
           <a:p>
             <a:r>
               <a:rPr lang="en-US" dirty="0" smtClean="0"/>
-              <a:t>In JSON via via _</a:t>
+              <a:t>In JSON via _</a:t>
             </a:r>
             <a:r>
               <a:rPr lang="en-US" dirty="0" err="1" smtClean="0"/>
@@ -14118,7 +14003,7 @@
 </p:sld>
 </file>
 
-<file path=ppt/slides/slide38.xml><?xml version="1.0" encoding="utf-8"?>
+<file path=ppt/slides/slide37.xml><?xml version="1.0" encoding="utf-8"?>
 <p:sld xmlns:a="http://schemas.openxmlformats.org/drawingml/2006/main" xmlns:r="http://schemas.openxmlformats.org/officeDocument/2006/relationships" xmlns:p="http://schemas.openxmlformats.org/presentationml/2006/main">
   <p:cSld>
     <p:spTree>
@@ -15279,7 +15164,7 @@
                                           </p:stCondLst>
                                         </p:cTn>
                                         <p:tgtEl>
-                                          <p:spTgt spid="4"/>
+                                          <p:spTgt spid="47"/>
                                         </p:tgtEl>
                                         <p:attrNameLst>
                                           <p:attrName>style.visibility</p:attrName>
@@ -15293,7 +15178,7 @@
                                       <p:cBhvr>
                                         <p:cTn id="12" dur="500"/>
                                         <p:tgtEl>
-                                          <p:spTgt spid="4"/>
+                                          <p:spTgt spid="47"/>
                                         </p:tgtEl>
                                       </p:cBhvr>
                                     </p:animEffect>
@@ -15332,7 +15217,7 @@
                                           </p:stCondLst>
                                         </p:cTn>
                                         <p:tgtEl>
-                                          <p:spTgt spid="47"/>
+                                          <p:spTgt spid="48"/>
                                         </p:tgtEl>
                                         <p:attrNameLst>
                                           <p:attrName>style.visibility</p:attrName>
@@ -15346,7 +15231,7 @@
                                       <p:cBhvr>
                                         <p:cTn id="17" dur="500"/>
                                         <p:tgtEl>
-                                          <p:spTgt spid="47"/>
+                                          <p:spTgt spid="48"/>
                                         </p:tgtEl>
                                       </p:cBhvr>
                                     </p:animEffect>
@@ -15385,7 +15270,7 @@
                                           </p:stCondLst>
                                         </p:cTn>
                                         <p:tgtEl>
-                                          <p:spTgt spid="48"/>
+                                          <p:spTgt spid="26"/>
                                         </p:tgtEl>
                                         <p:attrNameLst>
                                           <p:attrName>style.visibility</p:attrName>
@@ -15399,7 +15284,7 @@
                                       <p:cBhvr>
                                         <p:cTn id="22" dur="500"/>
                                         <p:tgtEl>
-                                          <p:spTgt spid="48"/>
+                                          <p:spTgt spid="26"/>
                                         </p:tgtEl>
                                       </p:cBhvr>
                                     </p:animEffect>
@@ -15438,7 +15323,7 @@
                                           </p:stCondLst>
                                         </p:cTn>
                                         <p:tgtEl>
-                                          <p:spTgt spid="26"/>
+                                          <p:spTgt spid="49"/>
                                         </p:tgtEl>
                                         <p:attrNameLst>
                                           <p:attrName>style.visibility</p:attrName>
@@ -15452,7 +15337,7 @@
                                       <p:cBhvr>
                                         <p:cTn id="27" dur="500"/>
                                         <p:tgtEl>
-                                          <p:spTgt spid="26"/>
+                                          <p:spTgt spid="49"/>
                                         </p:tgtEl>
                                       </p:cBhvr>
                                     </p:animEffect>
@@ -15491,7 +15376,7 @@
                                           </p:stCondLst>
                                         </p:cTn>
                                         <p:tgtEl>
-                                          <p:spTgt spid="49"/>
+                                          <p:spTgt spid="4"/>
                                         </p:tgtEl>
                                         <p:attrNameLst>
                                           <p:attrName>style.visibility</p:attrName>
@@ -15505,7 +15390,7 @@
                                       <p:cBhvr>
                                         <p:cTn id="32" dur="500"/>
                                         <p:tgtEl>
-                                          <p:spTgt spid="49"/>
+                                          <p:spTgt spid="4"/>
                                         </p:tgtEl>
                                       </p:cBhvr>
                                     </p:animEffect>
@@ -15596,7 +15481,7 @@
 </p:sld>
 </file>
 
-<file path=ppt/slides/slide39.xml><?xml version="1.0" encoding="utf-8"?>
+<file path=ppt/slides/slide38.xml><?xml version="1.0" encoding="utf-8"?>
 <p:sld xmlns:a="http://schemas.openxmlformats.org/drawingml/2006/main" xmlns:r="http://schemas.openxmlformats.org/officeDocument/2006/relationships" xmlns:p="http://schemas.openxmlformats.org/presentationml/2006/main">
   <p:cSld>
     <p:spTree>
@@ -15767,72 +15652,7 @@
 </p:sld>
 </file>
 
-<file path=ppt/slides/slide4.xml><?xml version="1.0" encoding="utf-8"?>
-<p:sld xmlns:a="http://schemas.openxmlformats.org/drawingml/2006/main" xmlns:r="http://schemas.openxmlformats.org/officeDocument/2006/relationships" xmlns:p="http://schemas.openxmlformats.org/presentationml/2006/main">
-  <p:cSld>
-    <p:spTree>
-      <p:nvGrpSpPr>
-        <p:cNvPr id="1" name=""/>
-        <p:cNvGrpSpPr/>
-        <p:nvPr/>
-      </p:nvGrpSpPr>
-      <p:grpSpPr>
-        <a:xfrm>
-          <a:off x="0" y="0"/>
-          <a:ext cx="0" cy="0"/>
-          <a:chOff x="0" y="0"/>
-          <a:chExt cx="0" cy="0"/>
-        </a:xfrm>
-      </p:grpSpPr>
-      <p:sp>
-        <p:nvSpPr>
-          <p:cNvPr id="2" name="Title 1"/>
-          <p:cNvSpPr>
-            <a:spLocks noGrp="1"/>
-          </p:cNvSpPr>
-          <p:nvPr>
-            <p:ph type="title"/>
-          </p:nvPr>
-        </p:nvSpPr>
-        <p:spPr>
-          <a:xfrm>
-            <a:off x="457200" y="2857226"/>
-            <a:ext cx="8229600" cy="1143000"/>
-          </a:xfrm>
-        </p:spPr>
-        <p:txBody>
-          <a:bodyPr/>
-          <a:lstStyle/>
-          <a:p>
-            <a:r>
-              <a:rPr lang="en-US" dirty="0" smtClean="0"/>
-              <a:t>Background</a:t>
-            </a:r>
-            <a:endParaRPr lang="en-US" dirty="0"/>
-          </a:p>
-        </p:txBody>
-      </p:sp>
-    </p:spTree>
-    <p:extLst>
-      <p:ext uri="{BB962C8B-B14F-4D97-AF65-F5344CB8AC3E}">
-        <p14:creationId xmlns:p14="http://schemas.microsoft.com/office/powerpoint/2010/main" val="3345302297"/>
-      </p:ext>
-    </p:extLst>
-  </p:cSld>
-  <p:clrMapOvr>
-    <a:masterClrMapping/>
-  </p:clrMapOvr>
-  <p:timing>
-    <p:tnLst>
-      <p:par>
-        <p:cTn xmlns:p14="http://schemas.microsoft.com/office/powerpoint/2010/main" id="1" dur="indefinite" restart="never" nodeType="tmRoot"/>
-      </p:par>
-    </p:tnLst>
-  </p:timing>
-</p:sld>
-</file>
-
-<file path=ppt/slides/slide40.xml><?xml version="1.0" encoding="utf-8"?>
+<file path=ppt/slides/slide39.xml><?xml version="1.0" encoding="utf-8"?>
 <p:sld xmlns:a="http://schemas.openxmlformats.org/drawingml/2006/main" xmlns:r="http://schemas.openxmlformats.org/officeDocument/2006/relationships" xmlns:p="http://schemas.openxmlformats.org/presentationml/2006/main">
   <p:cSld>
     <p:spTree>
@@ -17328,7 +17148,72 @@
 </p:sld>
 </file>
 
-<file path=ppt/slides/slide41.xml><?xml version="1.0" encoding="utf-8"?>
+<file path=ppt/slides/slide4.xml><?xml version="1.0" encoding="utf-8"?>
+<p:sld xmlns:a="http://schemas.openxmlformats.org/drawingml/2006/main" xmlns:r="http://schemas.openxmlformats.org/officeDocument/2006/relationships" xmlns:p="http://schemas.openxmlformats.org/presentationml/2006/main">
+  <p:cSld>
+    <p:spTree>
+      <p:nvGrpSpPr>
+        <p:cNvPr id="1" name=""/>
+        <p:cNvGrpSpPr/>
+        <p:nvPr/>
+      </p:nvGrpSpPr>
+      <p:grpSpPr>
+        <a:xfrm>
+          <a:off x="0" y="0"/>
+          <a:ext cx="0" cy="0"/>
+          <a:chOff x="0" y="0"/>
+          <a:chExt cx="0" cy="0"/>
+        </a:xfrm>
+      </p:grpSpPr>
+      <p:sp>
+        <p:nvSpPr>
+          <p:cNvPr id="2" name="Title 1"/>
+          <p:cNvSpPr>
+            <a:spLocks noGrp="1"/>
+          </p:cNvSpPr>
+          <p:nvPr>
+            <p:ph type="title"/>
+          </p:nvPr>
+        </p:nvSpPr>
+        <p:spPr>
+          <a:xfrm>
+            <a:off x="457200" y="2857226"/>
+            <a:ext cx="8229600" cy="1143000"/>
+          </a:xfrm>
+        </p:spPr>
+        <p:txBody>
+          <a:bodyPr/>
+          <a:lstStyle/>
+          <a:p>
+            <a:r>
+              <a:rPr lang="en-US" dirty="0" smtClean="0"/>
+              <a:t>Background</a:t>
+            </a:r>
+            <a:endParaRPr lang="en-US" dirty="0"/>
+          </a:p>
+        </p:txBody>
+      </p:sp>
+    </p:spTree>
+    <p:extLst>
+      <p:ext uri="{BB962C8B-B14F-4D97-AF65-F5344CB8AC3E}">
+        <p14:creationId xmlns:p14="http://schemas.microsoft.com/office/powerpoint/2010/main" val="3345302297"/>
+      </p:ext>
+    </p:extLst>
+  </p:cSld>
+  <p:clrMapOvr>
+    <a:masterClrMapping/>
+  </p:clrMapOvr>
+  <p:timing>
+    <p:tnLst>
+      <p:par>
+        <p:cTn xmlns:p14="http://schemas.microsoft.com/office/powerpoint/2010/main" id="1" dur="indefinite" restart="never" nodeType="tmRoot"/>
+      </p:par>
+    </p:tnLst>
+  </p:timing>
+</p:sld>
+</file>
+
+<file path=ppt/slides/slide40.xml><?xml version="1.0" encoding="utf-8"?>
 <p:sld xmlns:a="http://schemas.openxmlformats.org/drawingml/2006/main" xmlns:r="http://schemas.openxmlformats.org/officeDocument/2006/relationships" xmlns:p="http://schemas.openxmlformats.org/presentationml/2006/main">
   <p:cSld>
     <p:spTree>
@@ -17403,6 +17288,12 @@
           <a:p>
             <a:r>
               <a:rPr lang="en-US" dirty="0" smtClean="0"/>
+              <a:t>Google Cloud Storage</a:t>
+            </a:r>
+          </a:p>
+          <a:p>
+            <a:r>
+              <a:rPr lang="en-US" dirty="0" smtClean="0"/>
               <a:t>Azure</a:t>
             </a:r>
           </a:p>
@@ -17443,6 +17334,9 @@
   <p:clrMapOvr>
     <a:masterClrMapping/>
   </p:clrMapOvr>
+  <p:transition xmlns:p14="http://schemas.microsoft.com/office/powerpoint/2010/main" spd="slow">
+    <p:push dir="u"/>
+  </p:transition>
   <p:timing>
     <p:tnLst>
       <p:par>
@@ -17453,7 +17347,7 @@
 </p:sld>
 </file>
 
-<file path=ppt/slides/slide42.xml><?xml version="1.0" encoding="utf-8"?>
+<file path=ppt/slides/slide41.xml><?xml version="1.0" encoding="utf-8"?>
 <p:sld xmlns:a="http://schemas.openxmlformats.org/drawingml/2006/main" xmlns:r="http://schemas.openxmlformats.org/officeDocument/2006/relationships" xmlns:p="http://schemas.openxmlformats.org/presentationml/2006/main">
   <p:cSld>
     <p:spTree>
@@ -17487,7 +17381,7 @@
           <a:p>
             <a:r>
               <a:rPr lang="en-US" dirty="0" smtClean="0"/>
-              <a:t>Repo &amp; Article</a:t>
+              <a:t>Repo, Article &amp; Resources</a:t>
             </a:r>
             <a:endParaRPr lang="en-US" dirty="0"/>
           </a:p>
@@ -17603,6 +17497,9 @@
   <p:clrMapOvr>
     <a:masterClrMapping/>
   </p:clrMapOvr>
+  <p:transition xmlns:p14="http://schemas.microsoft.com/office/powerpoint/2010/main" spd="slow">
+    <p:push dir="u"/>
+  </p:transition>
   <p:timing>
     <p:tnLst>
       <p:par>
@@ -17613,7 +17510,7 @@
 </p:sld>
 </file>
 
-<file path=ppt/slides/slide43.xml><?xml version="1.0" encoding="utf-8"?>
+<file path=ppt/slides/slide42.xml><?xml version="1.0" encoding="utf-8"?>
 <p:sld xmlns:a="http://schemas.openxmlformats.org/drawingml/2006/main" xmlns:r="http://schemas.openxmlformats.org/officeDocument/2006/relationships" xmlns:p="http://schemas.openxmlformats.org/presentationml/2006/main">
   <p:cSld>
     <p:spTree>
@@ -17768,6 +17665,9 @@
   <p:clrMapOvr>
     <a:masterClrMapping/>
   </p:clrMapOvr>
+  <p:transition xmlns:p14="http://schemas.microsoft.com/office/powerpoint/2010/main" spd="slow">
+    <p:pull/>
+  </p:transition>
   <p:timing>
     <p:tnLst>
       <p:par>
@@ -17778,7 +17678,7 @@
 </p:sld>
 </file>
 
-<file path=ppt/slides/slide44.xml><?xml version="1.0" encoding="utf-8"?>
+<file path=ppt/slides/slide43.xml><?xml version="1.0" encoding="utf-8"?>
 <p:sld xmlns:a="http://schemas.openxmlformats.org/drawingml/2006/main" xmlns:r="http://schemas.openxmlformats.org/officeDocument/2006/relationships" xmlns:p="http://schemas.openxmlformats.org/presentationml/2006/main">
   <p:cSld>
     <p:spTree>
@@ -17858,6 +17758,18 @@
   <p:clrMapOvr>
     <a:masterClrMapping/>
   </p:clrMapOvr>
+  <mc:AlternateContent xmlns:mc="http://schemas.openxmlformats.org/markup-compatibility/2006">
+    <mc:Choice xmlns:p14="http://schemas.microsoft.com/office/powerpoint/2010/main" Requires="p14">
+      <p:transition spd="med" p14:dur="700">
+        <p:fade/>
+      </p:transition>
+    </mc:Choice>
+    <mc:Fallback>
+      <p:transition xmlns:p14="http://schemas.microsoft.com/office/powerpoint/2010/main" spd="med">
+        <p:fade/>
+      </p:transition>
+    </mc:Fallback>
+  </mc:AlternateContent>
   <p:timing>
     <p:tnLst>
       <p:par>
@@ -18353,9 +18265,340 @@
   <p:timing>
     <p:tnLst>
       <p:par>
-        <p:cTn xmlns:p14="http://schemas.microsoft.com/office/powerpoint/2010/main" id="1" dur="indefinite" restart="never" nodeType="tmRoot"/>
+        <p:cTn xmlns:p14="http://schemas.microsoft.com/office/powerpoint/2010/main" id="1" dur="indefinite" restart="never" nodeType="tmRoot">
+          <p:childTnLst>
+            <p:seq concurrent="1" nextAc="seek">
+              <p:cTn id="2" dur="indefinite" nodeType="mainSeq">
+                <p:childTnLst>
+                  <p:par>
+                    <p:cTn id="3" fill="hold">
+                      <p:stCondLst>
+                        <p:cond delay="indefinite"/>
+                      </p:stCondLst>
+                      <p:childTnLst>
+                        <p:par>
+                          <p:cTn id="4" fill="hold">
+                            <p:stCondLst>
+                              <p:cond delay="0"/>
+                            </p:stCondLst>
+                            <p:childTnLst>
+                              <p:par>
+                                <p:cTn id="5" presetID="10" presetClass="entr" presetSubtype="0" fill="hold" grpId="0" nodeType="clickEffect">
+                                  <p:stCondLst>
+                                    <p:cond delay="0"/>
+                                  </p:stCondLst>
+                                  <p:childTnLst>
+                                    <p:set>
+                                      <p:cBhvr>
+                                        <p:cTn id="6" dur="1" fill="hold">
+                                          <p:stCondLst>
+                                            <p:cond delay="0"/>
+                                          </p:stCondLst>
+                                        </p:cTn>
+                                        <p:tgtEl>
+                                          <p:spTgt spid="3">
+                                            <p:txEl>
+                                              <p:pRg st="0" end="0"/>
+                                            </p:txEl>
+                                          </p:spTgt>
+                                        </p:tgtEl>
+                                        <p:attrNameLst>
+                                          <p:attrName>style.visibility</p:attrName>
+                                        </p:attrNameLst>
+                                      </p:cBhvr>
+                                      <p:to>
+                                        <p:strVal val="visible"/>
+                                      </p:to>
+                                    </p:set>
+                                    <p:animEffect transition="in" filter="fade">
+                                      <p:cBhvr>
+                                        <p:cTn id="7" dur="500"/>
+                                        <p:tgtEl>
+                                          <p:spTgt spid="3">
+                                            <p:txEl>
+                                              <p:pRg st="0" end="0"/>
+                                            </p:txEl>
+                                          </p:spTgt>
+                                        </p:tgtEl>
+                                      </p:cBhvr>
+                                    </p:animEffect>
+                                  </p:childTnLst>
+                                </p:cTn>
+                              </p:par>
+                            </p:childTnLst>
+                          </p:cTn>
+                        </p:par>
+                      </p:childTnLst>
+                    </p:cTn>
+                  </p:par>
+                  <p:par>
+                    <p:cTn id="8" fill="hold">
+                      <p:stCondLst>
+                        <p:cond delay="indefinite"/>
+                      </p:stCondLst>
+                      <p:childTnLst>
+                        <p:par>
+                          <p:cTn id="9" fill="hold">
+                            <p:stCondLst>
+                              <p:cond delay="0"/>
+                            </p:stCondLst>
+                            <p:childTnLst>
+                              <p:par>
+                                <p:cTn id="10" presetID="10" presetClass="entr" presetSubtype="0" fill="hold" grpId="0" nodeType="clickEffect">
+                                  <p:stCondLst>
+                                    <p:cond delay="0"/>
+                                  </p:stCondLst>
+                                  <p:childTnLst>
+                                    <p:set>
+                                      <p:cBhvr>
+                                        <p:cTn id="11" dur="1" fill="hold">
+                                          <p:stCondLst>
+                                            <p:cond delay="0"/>
+                                          </p:stCondLst>
+                                        </p:cTn>
+                                        <p:tgtEl>
+                                          <p:spTgt spid="3">
+                                            <p:txEl>
+                                              <p:pRg st="1" end="1"/>
+                                            </p:txEl>
+                                          </p:spTgt>
+                                        </p:tgtEl>
+                                        <p:attrNameLst>
+                                          <p:attrName>style.visibility</p:attrName>
+                                        </p:attrNameLst>
+                                      </p:cBhvr>
+                                      <p:to>
+                                        <p:strVal val="visible"/>
+                                      </p:to>
+                                    </p:set>
+                                    <p:animEffect transition="in" filter="fade">
+                                      <p:cBhvr>
+                                        <p:cTn id="12" dur="500"/>
+                                        <p:tgtEl>
+                                          <p:spTgt spid="3">
+                                            <p:txEl>
+                                              <p:pRg st="1" end="1"/>
+                                            </p:txEl>
+                                          </p:spTgt>
+                                        </p:tgtEl>
+                                      </p:cBhvr>
+                                    </p:animEffect>
+                                  </p:childTnLst>
+                                </p:cTn>
+                              </p:par>
+                            </p:childTnLst>
+                          </p:cTn>
+                        </p:par>
+                      </p:childTnLst>
+                    </p:cTn>
+                  </p:par>
+                  <p:par>
+                    <p:cTn id="13" fill="hold">
+                      <p:stCondLst>
+                        <p:cond delay="indefinite"/>
+                      </p:stCondLst>
+                      <p:childTnLst>
+                        <p:par>
+                          <p:cTn id="14" fill="hold">
+                            <p:stCondLst>
+                              <p:cond delay="0"/>
+                            </p:stCondLst>
+                            <p:childTnLst>
+                              <p:par>
+                                <p:cTn id="15" presetID="10" presetClass="entr" presetSubtype="0" fill="hold" grpId="0" nodeType="clickEffect">
+                                  <p:stCondLst>
+                                    <p:cond delay="0"/>
+                                  </p:stCondLst>
+                                  <p:childTnLst>
+                                    <p:set>
+                                      <p:cBhvr>
+                                        <p:cTn id="16" dur="1" fill="hold">
+                                          <p:stCondLst>
+                                            <p:cond delay="0"/>
+                                          </p:stCondLst>
+                                        </p:cTn>
+                                        <p:tgtEl>
+                                          <p:spTgt spid="3">
+                                            <p:txEl>
+                                              <p:pRg st="2" end="2"/>
+                                            </p:txEl>
+                                          </p:spTgt>
+                                        </p:tgtEl>
+                                        <p:attrNameLst>
+                                          <p:attrName>style.visibility</p:attrName>
+                                        </p:attrNameLst>
+                                      </p:cBhvr>
+                                      <p:to>
+                                        <p:strVal val="visible"/>
+                                      </p:to>
+                                    </p:set>
+                                    <p:animEffect transition="in" filter="fade">
+                                      <p:cBhvr>
+                                        <p:cTn id="17" dur="500"/>
+                                        <p:tgtEl>
+                                          <p:spTgt spid="3">
+                                            <p:txEl>
+                                              <p:pRg st="2" end="2"/>
+                                            </p:txEl>
+                                          </p:spTgt>
+                                        </p:tgtEl>
+                                      </p:cBhvr>
+                                    </p:animEffect>
+                                  </p:childTnLst>
+                                </p:cTn>
+                              </p:par>
+                            </p:childTnLst>
+                          </p:cTn>
+                        </p:par>
+                      </p:childTnLst>
+                    </p:cTn>
+                  </p:par>
+                  <p:par>
+                    <p:cTn id="18" fill="hold">
+                      <p:stCondLst>
+                        <p:cond delay="indefinite"/>
+                      </p:stCondLst>
+                      <p:childTnLst>
+                        <p:par>
+                          <p:cTn id="19" fill="hold">
+                            <p:stCondLst>
+                              <p:cond delay="0"/>
+                            </p:stCondLst>
+                            <p:childTnLst>
+                              <p:par>
+                                <p:cTn id="20" presetID="10" presetClass="entr" presetSubtype="0" fill="hold" grpId="0" nodeType="clickEffect">
+                                  <p:stCondLst>
+                                    <p:cond delay="0"/>
+                                  </p:stCondLst>
+                                  <p:childTnLst>
+                                    <p:set>
+                                      <p:cBhvr>
+                                        <p:cTn id="21" dur="1" fill="hold">
+                                          <p:stCondLst>
+                                            <p:cond delay="0"/>
+                                          </p:stCondLst>
+                                        </p:cTn>
+                                        <p:tgtEl>
+                                          <p:spTgt spid="3">
+                                            <p:txEl>
+                                              <p:pRg st="3" end="3"/>
+                                            </p:txEl>
+                                          </p:spTgt>
+                                        </p:tgtEl>
+                                        <p:attrNameLst>
+                                          <p:attrName>style.visibility</p:attrName>
+                                        </p:attrNameLst>
+                                      </p:cBhvr>
+                                      <p:to>
+                                        <p:strVal val="visible"/>
+                                      </p:to>
+                                    </p:set>
+                                    <p:animEffect transition="in" filter="fade">
+                                      <p:cBhvr>
+                                        <p:cTn id="22" dur="500"/>
+                                        <p:tgtEl>
+                                          <p:spTgt spid="3">
+                                            <p:txEl>
+                                              <p:pRg st="3" end="3"/>
+                                            </p:txEl>
+                                          </p:spTgt>
+                                        </p:tgtEl>
+                                      </p:cBhvr>
+                                    </p:animEffect>
+                                  </p:childTnLst>
+                                </p:cTn>
+                              </p:par>
+                            </p:childTnLst>
+                          </p:cTn>
+                        </p:par>
+                      </p:childTnLst>
+                    </p:cTn>
+                  </p:par>
+                  <p:par>
+                    <p:cTn id="23" fill="hold">
+                      <p:stCondLst>
+                        <p:cond delay="indefinite"/>
+                      </p:stCondLst>
+                      <p:childTnLst>
+                        <p:par>
+                          <p:cTn id="24" fill="hold">
+                            <p:stCondLst>
+                              <p:cond delay="0"/>
+                            </p:stCondLst>
+                            <p:childTnLst>
+                              <p:par>
+                                <p:cTn id="25" presetID="10" presetClass="entr" presetSubtype="0" fill="hold" grpId="0" nodeType="clickEffect">
+                                  <p:stCondLst>
+                                    <p:cond delay="0"/>
+                                  </p:stCondLst>
+                                  <p:childTnLst>
+                                    <p:set>
+                                      <p:cBhvr>
+                                        <p:cTn id="26" dur="1" fill="hold">
+                                          <p:stCondLst>
+                                            <p:cond delay="0"/>
+                                          </p:stCondLst>
+                                        </p:cTn>
+                                        <p:tgtEl>
+                                          <p:spTgt spid="3">
+                                            <p:txEl>
+                                              <p:pRg st="4" end="4"/>
+                                            </p:txEl>
+                                          </p:spTgt>
+                                        </p:tgtEl>
+                                        <p:attrNameLst>
+                                          <p:attrName>style.visibility</p:attrName>
+                                        </p:attrNameLst>
+                                      </p:cBhvr>
+                                      <p:to>
+                                        <p:strVal val="visible"/>
+                                      </p:to>
+                                    </p:set>
+                                    <p:animEffect transition="in" filter="fade">
+                                      <p:cBhvr>
+                                        <p:cTn id="27" dur="500"/>
+                                        <p:tgtEl>
+                                          <p:spTgt spid="3">
+                                            <p:txEl>
+                                              <p:pRg st="4" end="4"/>
+                                            </p:txEl>
+                                          </p:spTgt>
+                                        </p:tgtEl>
+                                      </p:cBhvr>
+                                    </p:animEffect>
+                                  </p:childTnLst>
+                                </p:cTn>
+                              </p:par>
+                            </p:childTnLst>
+                          </p:cTn>
+                        </p:par>
+                      </p:childTnLst>
+                    </p:cTn>
+                  </p:par>
+                </p:childTnLst>
+              </p:cTn>
+              <p:prevCondLst>
+                <p:cond evt="onPrev" delay="0">
+                  <p:tgtEl>
+                    <p:sldTgt/>
+                  </p:tgtEl>
+                </p:cond>
+              </p:prevCondLst>
+              <p:nextCondLst>
+                <p:cond evt="onNext" delay="0">
+                  <p:tgtEl>
+                    <p:sldTgt/>
+                  </p:tgtEl>
+                </p:cond>
+              </p:nextCondLst>
+            </p:seq>
+          </p:childTnLst>
+        </p:cTn>
       </p:par>
     </p:tnLst>
+    <p:bldLst>
+      <p:bldP spid="3" grpId="0" build="p"/>
+    </p:bldLst>
   </p:timing>
 </p:sld>
 </file>

--- a/static-sites.pptx
+++ b/static-sites.pptx
@@ -234,7 +234,7 @@
           <a:p>
             <a:fld id="{3A4524D4-DBF3-6843-9B43-C7D5879143A8}" type="datetimeFigureOut">
               <a:rPr lang="en-US" smtClean="0"/>
-              <a:t>2/12/15</a:t>
+              <a:t>3/5/15</a:t>
             </a:fld>
             <a:endParaRPr lang="en-US"/>
           </a:p>
@@ -1139,7 +1139,7 @@
           <a:p>
             <a:fld id="{6BFECD78-3C8E-49F2-8FAB-59489D168ABB}" type="datetimeFigureOut">
               <a:rPr lang="en-US" smtClean="0"/>
-              <a:t>2/11/15</a:t>
+              <a:t>3/5/15</a:t>
             </a:fld>
             <a:endParaRPr lang="en-US"/>
           </a:p>
@@ -1309,7 +1309,7 @@
           <a:p>
             <a:fld id="{6BFECD78-3C8E-49F2-8FAB-59489D168ABB}" type="datetimeFigureOut">
               <a:rPr lang="en-US" smtClean="0"/>
-              <a:t>2/11/15</a:t>
+              <a:t>3/5/15</a:t>
             </a:fld>
             <a:endParaRPr lang="en-US"/>
           </a:p>
@@ -1489,7 +1489,7 @@
           <a:p>
             <a:fld id="{6BFECD78-3C8E-49F2-8FAB-59489D168ABB}" type="datetimeFigureOut">
               <a:rPr lang="en-US" smtClean="0"/>
-              <a:t>2/11/15</a:t>
+              <a:t>3/5/15</a:t>
             </a:fld>
             <a:endParaRPr lang="en-US"/>
           </a:p>
@@ -1659,7 +1659,7 @@
           <a:p>
             <a:fld id="{6BFECD78-3C8E-49F2-8FAB-59489D168ABB}" type="datetimeFigureOut">
               <a:rPr lang="en-US" smtClean="0"/>
-              <a:t>2/11/15</a:t>
+              <a:t>3/5/15</a:t>
             </a:fld>
             <a:endParaRPr lang="en-US"/>
           </a:p>
@@ -1905,7 +1905,7 @@
           <a:p>
             <a:fld id="{6BFECD78-3C8E-49F2-8FAB-59489D168ABB}" type="datetimeFigureOut">
               <a:rPr lang="en-US" smtClean="0"/>
-              <a:t>2/11/15</a:t>
+              <a:t>3/5/15</a:t>
             </a:fld>
             <a:endParaRPr lang="en-US"/>
           </a:p>
@@ -2193,7 +2193,7 @@
           <a:p>
             <a:fld id="{6BFECD78-3C8E-49F2-8FAB-59489D168ABB}" type="datetimeFigureOut">
               <a:rPr lang="en-US" smtClean="0"/>
-              <a:t>2/11/15</a:t>
+              <a:t>3/5/15</a:t>
             </a:fld>
             <a:endParaRPr lang="en-US"/>
           </a:p>
@@ -2615,7 +2615,7 @@
           <a:p>
             <a:fld id="{6BFECD78-3C8E-49F2-8FAB-59489D168ABB}" type="datetimeFigureOut">
               <a:rPr lang="en-US" smtClean="0"/>
-              <a:t>2/11/15</a:t>
+              <a:t>3/5/15</a:t>
             </a:fld>
             <a:endParaRPr lang="en-US"/>
           </a:p>
@@ -2733,7 +2733,7 @@
           <a:p>
             <a:fld id="{6BFECD78-3C8E-49F2-8FAB-59489D168ABB}" type="datetimeFigureOut">
               <a:rPr lang="en-US" smtClean="0"/>
-              <a:t>2/11/15</a:t>
+              <a:t>3/5/15</a:t>
             </a:fld>
             <a:endParaRPr lang="en-US"/>
           </a:p>
@@ -2828,7 +2828,7 @@
           <a:p>
             <a:fld id="{6BFECD78-3C8E-49F2-8FAB-59489D168ABB}" type="datetimeFigureOut">
               <a:rPr lang="en-US" smtClean="0"/>
-              <a:t>2/11/15</a:t>
+              <a:t>3/5/15</a:t>
             </a:fld>
             <a:endParaRPr lang="en-US"/>
           </a:p>
@@ -3105,7 +3105,7 @@
           <a:p>
             <a:fld id="{6BFECD78-3C8E-49F2-8FAB-59489D168ABB}" type="datetimeFigureOut">
               <a:rPr lang="en-US" smtClean="0"/>
-              <a:t>2/11/15</a:t>
+              <a:t>3/5/15</a:t>
             </a:fld>
             <a:endParaRPr lang="en-US"/>
           </a:p>
@@ -3362,7 +3362,7 @@
           <a:p>
             <a:fld id="{6BFECD78-3C8E-49F2-8FAB-59489D168ABB}" type="datetimeFigureOut">
               <a:rPr lang="en-US" smtClean="0"/>
-              <a:t>2/11/15</a:t>
+              <a:t>3/5/15</a:t>
             </a:fld>
             <a:endParaRPr lang="en-US"/>
           </a:p>
@@ -3575,7 +3575,7 @@
           <a:p>
             <a:fld id="{6BFECD78-3C8E-49F2-8FAB-59489D168ABB}" type="datetimeFigureOut">
               <a:rPr lang="en-US" smtClean="0"/>
-              <a:t>2/11/15</a:t>
+              <a:t>3/5/15</a:t>
             </a:fld>
             <a:endParaRPr lang="en-US"/>
           </a:p>
@@ -4315,13 +4315,13 @@
   <p:clrMapOvr>
     <a:masterClrMapping/>
   </p:clrMapOvr>
-  <mc:AlternateContent xmlns:mc="http://schemas.openxmlformats.org/markup-compatibility/2006">
-    <mc:Choice xmlns:p14="http://schemas.microsoft.com/office/powerpoint/2010/main" Requires="p14">
+  <mc:AlternateContent xmlns:mc="http://schemas.openxmlformats.org/markup-compatibility/2006" xmlns:p14="http://schemas.microsoft.com/office/powerpoint/2010/main">
+    <mc:Choice Requires="p14">
       <p:transition spd="slow" p14:dur="3900">
         <p14:glitter pattern="hexagon"/>
       </p:transition>
     </mc:Choice>
-    <mc:Fallback>
+    <mc:Fallback xmlns="">
       <p:transition xmlns:p14="http://schemas.microsoft.com/office/powerpoint/2010/main" spd="slow">
         <p:fade/>
       </p:transition>
@@ -5864,11 +5864,11 @@
   <p:clrMapOvr>
     <a:masterClrMapping/>
   </p:clrMapOvr>
-  <mc:AlternateContent xmlns:mc="http://schemas.openxmlformats.org/markup-compatibility/2006">
-    <mc:Choice xmlns:p14="http://schemas.microsoft.com/office/powerpoint/2010/main" Requires="p14">
+  <mc:AlternateContent xmlns:mc="http://schemas.openxmlformats.org/markup-compatibility/2006" xmlns:p14="http://schemas.microsoft.com/office/powerpoint/2010/main">
+    <mc:Choice Requires="p14">
       <p:transition spd="slow" p14:dur="2000" advClick="0" advTm="3000"/>
     </mc:Choice>
-    <mc:Fallback>
+    <mc:Fallback xmlns="">
       <p:transition xmlns:p14="http://schemas.microsoft.com/office/powerpoint/2010/main" spd="slow" advClick="0" advTm="3000"/>
     </mc:Fallback>
   </mc:AlternateContent>
@@ -6222,11 +6222,11 @@
   <p:clrMapOvr>
     <a:masterClrMapping/>
   </p:clrMapOvr>
-  <mc:AlternateContent xmlns:mc="http://schemas.openxmlformats.org/markup-compatibility/2006">
-    <mc:Choice xmlns:p14="http://schemas.microsoft.com/office/powerpoint/2010/main" Requires="p14">
+  <mc:AlternateContent xmlns:mc="http://schemas.openxmlformats.org/markup-compatibility/2006" xmlns:p14="http://schemas.microsoft.com/office/powerpoint/2010/main">
+    <mc:Choice Requires="p14">
       <p:transition spd="slow" p14:dur="2000"/>
     </mc:Choice>
-    <mc:Fallback>
+    <mc:Fallback xmlns="">
       <p:transition xmlns:p14="http://schemas.microsoft.com/office/powerpoint/2010/main" spd="slow"/>
     </mc:Fallback>
   </mc:AlternateContent>
@@ -6590,11 +6590,11 @@
   <p:clrMapOvr>
     <a:masterClrMapping/>
   </p:clrMapOvr>
-  <mc:AlternateContent xmlns:mc="http://schemas.openxmlformats.org/markup-compatibility/2006">
-    <mc:Choice xmlns:p14="http://schemas.microsoft.com/office/powerpoint/2010/main" Requires="p14">
+  <mc:AlternateContent xmlns:mc="http://schemas.openxmlformats.org/markup-compatibility/2006" xmlns:p14="http://schemas.microsoft.com/office/powerpoint/2010/main">
+    <mc:Choice Requires="p14">
       <p:transition spd="slow" p14:dur="2000"/>
     </mc:Choice>
-    <mc:Fallback>
+    <mc:Fallback xmlns="">
       <p:transition xmlns:p14="http://schemas.microsoft.com/office/powerpoint/2010/main" spd="slow"/>
     </mc:Fallback>
   </mc:AlternateContent>
@@ -6719,13 +6719,13 @@
   <p:clrMapOvr>
     <a:masterClrMapping/>
   </p:clrMapOvr>
-  <mc:AlternateContent xmlns:mc="http://schemas.openxmlformats.org/markup-compatibility/2006">
-    <mc:Choice xmlns:p14="http://schemas.microsoft.com/office/powerpoint/2010/main" Requires="p14">
+  <mc:AlternateContent xmlns:mc="http://schemas.openxmlformats.org/markup-compatibility/2006" xmlns:p14="http://schemas.microsoft.com/office/powerpoint/2010/main">
+    <mc:Choice Requires="p14">
       <p:transition spd="med" p14:dur="700">
         <p:fade/>
       </p:transition>
     </mc:Choice>
-    <mc:Fallback>
+    <mc:Fallback xmlns="">
       <p:transition xmlns:p14="http://schemas.microsoft.com/office/powerpoint/2010/main" spd="med">
         <p:fade/>
       </p:transition>
@@ -6889,11 +6889,11 @@
   <p:clrMapOvr>
     <a:masterClrMapping/>
   </p:clrMapOvr>
-  <mc:AlternateContent xmlns:mc="http://schemas.openxmlformats.org/markup-compatibility/2006">
-    <mc:Choice xmlns:p14="http://schemas.microsoft.com/office/powerpoint/2010/main" Requires="p14">
+  <mc:AlternateContent xmlns:mc="http://schemas.openxmlformats.org/markup-compatibility/2006" xmlns:p14="http://schemas.microsoft.com/office/powerpoint/2010/main">
+    <mc:Choice Requires="p14">
       <p:transition spd="slow" p14:dur="2000"/>
     </mc:Choice>
-    <mc:Fallback>
+    <mc:Fallback xmlns="">
       <p:transition xmlns:p14="http://schemas.microsoft.com/office/powerpoint/2010/main" spd="slow"/>
     </mc:Fallback>
   </mc:AlternateContent>
@@ -7040,11 +7040,11 @@
   <p:clrMapOvr>
     <a:masterClrMapping/>
   </p:clrMapOvr>
-  <mc:AlternateContent xmlns:mc="http://schemas.openxmlformats.org/markup-compatibility/2006">
-    <mc:Choice xmlns:p14="http://schemas.microsoft.com/office/powerpoint/2010/main" Requires="p14">
+  <mc:AlternateContent xmlns:mc="http://schemas.openxmlformats.org/markup-compatibility/2006" xmlns:p14="http://schemas.microsoft.com/office/powerpoint/2010/main">
+    <mc:Choice Requires="p14">
       <p:transition spd="slow" p14:dur="2000"/>
     </mc:Choice>
-    <mc:Fallback>
+    <mc:Fallback xmlns="">
       <p:transition xmlns:p14="http://schemas.microsoft.com/office/powerpoint/2010/main" spd="slow"/>
     </mc:Fallback>
   </mc:AlternateContent>
@@ -8513,11 +8513,11 @@
   <p:clrMapOvr>
     <a:masterClrMapping/>
   </p:clrMapOvr>
-  <mc:AlternateContent xmlns:mc="http://schemas.openxmlformats.org/markup-compatibility/2006">
-    <mc:Choice xmlns:p14="http://schemas.microsoft.com/office/powerpoint/2010/main" Requires="p14">
+  <mc:AlternateContent xmlns:mc="http://schemas.openxmlformats.org/markup-compatibility/2006" xmlns:p14="http://schemas.microsoft.com/office/powerpoint/2010/main">
+    <mc:Choice Requires="p14">
       <p:transition spd="slow" p14:dur="2000"/>
     </mc:Choice>
-    <mc:Fallback>
+    <mc:Fallback xmlns="">
       <p:transition xmlns:p14="http://schemas.microsoft.com/office/powerpoint/2010/main" spd="slow"/>
     </mc:Fallback>
   </mc:AlternateContent>
@@ -9161,11 +9161,11 @@
   <p:clrMapOvr>
     <a:masterClrMapping/>
   </p:clrMapOvr>
-  <mc:AlternateContent xmlns:mc="http://schemas.openxmlformats.org/markup-compatibility/2006">
-    <mc:Choice xmlns:p14="http://schemas.microsoft.com/office/powerpoint/2010/main" Requires="p14">
+  <mc:AlternateContent xmlns:mc="http://schemas.openxmlformats.org/markup-compatibility/2006" xmlns:p14="http://schemas.microsoft.com/office/powerpoint/2010/main">
+    <mc:Choice Requires="p14">
       <p:transition spd="slow" p14:dur="2000" advClick="0" advTm="3000"/>
     </mc:Choice>
-    <mc:Fallback>
+    <mc:Fallback xmlns="">
       <p:transition xmlns:p14="http://schemas.microsoft.com/office/powerpoint/2010/main" spd="slow" advClick="0" advTm="3000"/>
     </mc:Fallback>
   </mc:AlternateContent>
@@ -9517,11 +9517,11 @@
   <p:clrMapOvr>
     <a:masterClrMapping/>
   </p:clrMapOvr>
-  <mc:AlternateContent xmlns:mc="http://schemas.openxmlformats.org/markup-compatibility/2006">
-    <mc:Choice xmlns:p14="http://schemas.microsoft.com/office/powerpoint/2010/main" Requires="p14">
+  <mc:AlternateContent xmlns:mc="http://schemas.openxmlformats.org/markup-compatibility/2006" xmlns:p14="http://schemas.microsoft.com/office/powerpoint/2010/main">
+    <mc:Choice Requires="p14">
       <p:transition spd="slow" p14:dur="2000"/>
     </mc:Choice>
-    <mc:Fallback>
+    <mc:Fallback xmlns="">
       <p:transition xmlns:p14="http://schemas.microsoft.com/office/powerpoint/2010/main" spd="slow"/>
     </mc:Fallback>
   </mc:AlternateContent>
@@ -9975,11 +9975,11 @@
   <p:clrMapOvr>
     <a:masterClrMapping/>
   </p:clrMapOvr>
-  <mc:AlternateContent xmlns:mc="http://schemas.openxmlformats.org/markup-compatibility/2006">
-    <mc:Choice xmlns:p14="http://schemas.microsoft.com/office/powerpoint/2010/main" Requires="p14">
+  <mc:AlternateContent xmlns:mc="http://schemas.openxmlformats.org/markup-compatibility/2006" xmlns:p14="http://schemas.microsoft.com/office/powerpoint/2010/main">
+    <mc:Choice Requires="p14">
       <p:transition spd="slow" p14:dur="2000"/>
     </mc:Choice>
-    <mc:Fallback>
+    <mc:Fallback xmlns="">
       <p:transition xmlns:p14="http://schemas.microsoft.com/office/powerpoint/2010/main" spd="slow"/>
     </mc:Fallback>
   </mc:AlternateContent>
@@ -10225,11 +10225,11 @@
   <p:clrMapOvr>
     <a:masterClrMapping/>
   </p:clrMapOvr>
-  <mc:AlternateContent xmlns:mc="http://schemas.openxmlformats.org/markup-compatibility/2006">
-    <mc:Choice xmlns:p14="http://schemas.microsoft.com/office/powerpoint/2010/main" Requires="p14">
+  <mc:AlternateContent xmlns:mc="http://schemas.openxmlformats.org/markup-compatibility/2006" xmlns:p14="http://schemas.microsoft.com/office/powerpoint/2010/main">
+    <mc:Choice Requires="p14">
       <p:transition spd="slow" p14:dur="2000"/>
     </mc:Choice>
-    <mc:Fallback>
+    <mc:Fallback xmlns="">
       <p:transition xmlns:p14="http://schemas.microsoft.com/office/powerpoint/2010/main" spd="slow"/>
     </mc:Fallback>
   </mc:AlternateContent>
@@ -10399,15 +10399,19 @@
             </a:r>
             <a:r>
               <a:rPr lang="en-US" dirty="0"/>
-              <a:t>, Sass, </a:t>
-            </a:r>
-            <a:r>
-              <a:rPr lang="en-US" dirty="0" err="1"/>
-              <a:t>Scss</a:t>
+              <a:t>, </a:t>
+            </a:r>
+            <a:r>
+              <a:rPr lang="en-US" dirty="0" smtClean="0"/>
+              <a:t>Sass</a:t>
             </a:r>
             <a:r>
               <a:rPr lang="en-US" dirty="0"/>
-              <a:t> and </a:t>
+              <a:t> </a:t>
+            </a:r>
+            <a:r>
+              <a:rPr lang="en-US" dirty="0" smtClean="0"/>
+              <a:t>and </a:t>
             </a:r>
             <a:r>
               <a:rPr lang="en-US" dirty="0" err="1" smtClean="0"/>
@@ -10442,11 +10446,11 @@
   <p:clrMapOvr>
     <a:masterClrMapping/>
   </p:clrMapOvr>
-  <mc:AlternateContent xmlns:mc="http://schemas.openxmlformats.org/markup-compatibility/2006">
-    <mc:Choice xmlns:p14="http://schemas.microsoft.com/office/powerpoint/2010/main" Requires="p14">
+  <mc:AlternateContent xmlns:mc="http://schemas.openxmlformats.org/markup-compatibility/2006" xmlns:p14="http://schemas.microsoft.com/office/powerpoint/2010/main">
+    <mc:Choice Requires="p14">
       <p:transition spd="slow" p14:dur="2000"/>
     </mc:Choice>
-    <mc:Fallback>
+    <mc:Fallback xmlns="">
       <p:transition xmlns:p14="http://schemas.microsoft.com/office/powerpoint/2010/main" spd="slow"/>
     </mc:Fallback>
   </mc:AlternateContent>
@@ -10739,11 +10743,11 @@
   <p:clrMapOvr>
     <a:masterClrMapping/>
   </p:clrMapOvr>
-  <mc:AlternateContent xmlns:mc="http://schemas.openxmlformats.org/markup-compatibility/2006">
-    <mc:Choice xmlns:p14="http://schemas.microsoft.com/office/powerpoint/2010/main" Requires="p14">
+  <mc:AlternateContent xmlns:mc="http://schemas.openxmlformats.org/markup-compatibility/2006" xmlns:p14="http://schemas.microsoft.com/office/powerpoint/2010/main">
+    <mc:Choice Requires="p14">
       <p:transition spd="slow" p14:dur="2000"/>
     </mc:Choice>
-    <mc:Fallback>
+    <mc:Fallback xmlns="">
       <p:transition xmlns:p14="http://schemas.microsoft.com/office/powerpoint/2010/main" spd="slow"/>
     </mc:Fallback>
   </mc:AlternateContent>
@@ -12276,11 +12280,11 @@
   <p:clrMapOvr>
     <a:masterClrMapping/>
   </p:clrMapOvr>
-  <mc:AlternateContent xmlns:mc="http://schemas.openxmlformats.org/markup-compatibility/2006">
-    <mc:Choice xmlns:p14="http://schemas.microsoft.com/office/powerpoint/2010/main" Requires="p14">
+  <mc:AlternateContent xmlns:mc="http://schemas.openxmlformats.org/markup-compatibility/2006" xmlns:p14="http://schemas.microsoft.com/office/powerpoint/2010/main">
+    <mc:Choice Requires="p14">
       <p:transition spd="slow" p14:dur="2000"/>
     </mc:Choice>
-    <mc:Fallback>
+    <mc:Fallback xmlns="">
       <p:transition xmlns:p14="http://schemas.microsoft.com/office/powerpoint/2010/main" spd="slow"/>
     </mc:Fallback>
   </mc:AlternateContent>
@@ -12925,11 +12929,11 @@
   <p:clrMapOvr>
     <a:masterClrMapping/>
   </p:clrMapOvr>
-  <mc:AlternateContent xmlns:mc="http://schemas.openxmlformats.org/markup-compatibility/2006">
-    <mc:Choice xmlns:p14="http://schemas.microsoft.com/office/powerpoint/2010/main" Requires="p14">
+  <mc:AlternateContent xmlns:mc="http://schemas.openxmlformats.org/markup-compatibility/2006" xmlns:p14="http://schemas.microsoft.com/office/powerpoint/2010/main">
+    <mc:Choice Requires="p14">
       <p:transition spd="slow" p14:dur="2000" advClick="0" advTm="3000"/>
     </mc:Choice>
-    <mc:Fallback>
+    <mc:Fallback xmlns="">
       <p:transition xmlns:p14="http://schemas.microsoft.com/office/powerpoint/2010/main" spd="slow" advClick="0" advTm="3000"/>
     </mc:Fallback>
   </mc:AlternateContent>
@@ -13257,11 +13261,11 @@
   <p:clrMapOvr>
     <a:masterClrMapping/>
   </p:clrMapOvr>
-  <mc:AlternateContent xmlns:mc="http://schemas.openxmlformats.org/markup-compatibility/2006">
-    <mc:Choice xmlns:p14="http://schemas.microsoft.com/office/powerpoint/2010/main" Requires="p14">
+  <mc:AlternateContent xmlns:mc="http://schemas.openxmlformats.org/markup-compatibility/2006" xmlns:p14="http://schemas.microsoft.com/office/powerpoint/2010/main">
+    <mc:Choice Requires="p14">
       <p:transition spd="slow" p14:dur="2000"/>
     </mc:Choice>
-    <mc:Fallback>
+    <mc:Fallback xmlns="">
       <p:transition xmlns:p14="http://schemas.microsoft.com/office/powerpoint/2010/main" spd="slow"/>
     </mc:Fallback>
   </mc:AlternateContent>
@@ -13637,11 +13641,11 @@
   <p:clrMapOvr>
     <a:masterClrMapping/>
   </p:clrMapOvr>
-  <mc:AlternateContent xmlns:mc="http://schemas.openxmlformats.org/markup-compatibility/2006">
-    <mc:Choice xmlns:p14="http://schemas.microsoft.com/office/powerpoint/2010/main" Requires="p14">
+  <mc:AlternateContent xmlns:mc="http://schemas.openxmlformats.org/markup-compatibility/2006" xmlns:p14="http://schemas.microsoft.com/office/powerpoint/2010/main">
+    <mc:Choice Requires="p14">
       <p:transition spd="slow" p14:dur="2000"/>
     </mc:Choice>
-    <mc:Fallback>
+    <mc:Fallback xmlns="">
       <p:transition xmlns:p14="http://schemas.microsoft.com/office/powerpoint/2010/main" spd="slow"/>
     </mc:Fallback>
   </mc:AlternateContent>
@@ -13839,11 +13843,11 @@
   <p:clrMapOvr>
     <a:masterClrMapping/>
   </p:clrMapOvr>
-  <mc:AlternateContent xmlns:mc="http://schemas.openxmlformats.org/markup-compatibility/2006">
-    <mc:Choice xmlns:p14="http://schemas.microsoft.com/office/powerpoint/2010/main" Requires="p14">
+  <mc:AlternateContent xmlns:mc="http://schemas.openxmlformats.org/markup-compatibility/2006" xmlns:p14="http://schemas.microsoft.com/office/powerpoint/2010/main">
+    <mc:Choice Requires="p14">
       <p:transition spd="slow" p14:dur="2000"/>
     </mc:Choice>
-    <mc:Fallback>
+    <mc:Fallback xmlns="">
       <p:transition xmlns:p14="http://schemas.microsoft.com/office/powerpoint/2010/main" spd="slow"/>
     </mc:Fallback>
   </mc:AlternateContent>
@@ -13985,11 +13989,11 @@
   <p:clrMapOvr>
     <a:masterClrMapping/>
   </p:clrMapOvr>
-  <mc:AlternateContent xmlns:mc="http://schemas.openxmlformats.org/markup-compatibility/2006">
-    <mc:Choice xmlns:p14="http://schemas.microsoft.com/office/powerpoint/2010/main" Requires="p14">
+  <mc:AlternateContent xmlns:mc="http://schemas.openxmlformats.org/markup-compatibility/2006" xmlns:p14="http://schemas.microsoft.com/office/powerpoint/2010/main">
+    <mc:Choice Requires="p14">
       <p:transition spd="slow" p14:dur="2000"/>
     </mc:Choice>
-    <mc:Fallback>
+    <mc:Fallback xmlns="">
       <p:transition xmlns:p14="http://schemas.microsoft.com/office/powerpoint/2010/main" spd="slow"/>
     </mc:Fallback>
   </mc:AlternateContent>
@@ -15069,11 +15073,11 @@
   <p:clrMapOvr>
     <a:masterClrMapping/>
   </p:clrMapOvr>
-  <mc:AlternateContent xmlns:mc="http://schemas.openxmlformats.org/markup-compatibility/2006">
-    <mc:Choice xmlns:p14="http://schemas.microsoft.com/office/powerpoint/2010/main" Requires="p14">
+  <mc:AlternateContent xmlns:mc="http://schemas.openxmlformats.org/markup-compatibility/2006" xmlns:p14="http://schemas.microsoft.com/office/powerpoint/2010/main">
+    <mc:Choice Requires="p14">
       <p:transition spd="slow" p14:dur="2000"/>
     </mc:Choice>
-    <mc:Fallback>
+    <mc:Fallback xmlns="">
       <p:transition xmlns:p14="http://schemas.microsoft.com/office/powerpoint/2010/main" spd="slow"/>
     </mc:Fallback>
   </mc:AlternateContent>
@@ -16808,11 +16812,11 @@
   <p:clrMapOvr>
     <a:masterClrMapping/>
   </p:clrMapOvr>
-  <mc:AlternateContent xmlns:mc="http://schemas.openxmlformats.org/markup-compatibility/2006">
-    <mc:Choice xmlns:p14="http://schemas.microsoft.com/office/powerpoint/2010/main" Requires="p14">
+  <mc:AlternateContent xmlns:mc="http://schemas.openxmlformats.org/markup-compatibility/2006" xmlns:p14="http://schemas.microsoft.com/office/powerpoint/2010/main">
+    <mc:Choice Requires="p14">
       <p:transition spd="slow" p14:dur="2000"/>
     </mc:Choice>
-    <mc:Fallback>
+    <mc:Fallback xmlns="">
       <p:transition xmlns:p14="http://schemas.microsoft.com/office/powerpoint/2010/main" spd="slow"/>
     </mc:Fallback>
   </mc:AlternateContent>
@@ -17758,13 +17762,13 @@
   <p:clrMapOvr>
     <a:masterClrMapping/>
   </p:clrMapOvr>
-  <mc:AlternateContent xmlns:mc="http://schemas.openxmlformats.org/markup-compatibility/2006">
-    <mc:Choice xmlns:p14="http://schemas.microsoft.com/office/powerpoint/2010/main" Requires="p14">
+  <mc:AlternateContent xmlns:mc="http://schemas.openxmlformats.org/markup-compatibility/2006" xmlns:p14="http://schemas.microsoft.com/office/powerpoint/2010/main">
+    <mc:Choice Requires="p14">
       <p:transition spd="med" p14:dur="700">
         <p:fade/>
       </p:transition>
     </mc:Choice>
-    <mc:Fallback>
+    <mc:Fallback xmlns="">
       <p:transition xmlns:p14="http://schemas.microsoft.com/office/powerpoint/2010/main" spd="med">
         <p:fade/>
       </p:transition>
@@ -17950,13 +17954,13 @@
   <p:clrMapOvr>
     <a:masterClrMapping/>
   </p:clrMapOvr>
-  <mc:AlternateContent xmlns:mc="http://schemas.openxmlformats.org/markup-compatibility/2006">
-    <mc:Choice xmlns:p14="http://schemas.microsoft.com/office/powerpoint/2010/main" Requires="p14">
+  <mc:AlternateContent xmlns:mc="http://schemas.openxmlformats.org/markup-compatibility/2006" xmlns:p14="http://schemas.microsoft.com/office/powerpoint/2010/main">
+    <mc:Choice Requires="p14">
       <p:transition spd="med" p14:dur="700">
         <p:fade/>
       </p:transition>
     </mc:Choice>
-    <mc:Fallback>
+    <mc:Fallback xmlns="">
       <p:transition xmlns:p14="http://schemas.microsoft.com/office/powerpoint/2010/main" spd="med">
         <p:fade/>
       </p:transition>
